--- a/axes.pptx
+++ b/axes.pptx
@@ -197,7 +197,7 @@
           <a:p>
             <a:fld id="{091E5CB7-630E-4D80-B4AF-B4D36936C591}" type="datetimeFigureOut">
               <a:rPr lang="en-US" smtClean="0"/>
-              <a:t>19-Sep-16</a:t>
+              <a:t>09-Nov-16</a:t>
             </a:fld>
             <a:endParaRPr lang="en-US"/>
           </a:p>
@@ -685,7 +685,7 @@
           <a:p>
             <a:fld id="{B7155ECD-3F43-4FB0-B904-4DC0AC5C79AF}" type="datetimeFigureOut">
               <a:rPr lang="en-US" smtClean="0"/>
-              <a:t>19-Sep-16</a:t>
+              <a:t>09-Nov-16</a:t>
             </a:fld>
             <a:endParaRPr lang="en-US"/>
           </a:p>
@@ -855,7 +855,7 @@
           <a:p>
             <a:fld id="{B7155ECD-3F43-4FB0-B904-4DC0AC5C79AF}" type="datetimeFigureOut">
               <a:rPr lang="en-US" smtClean="0"/>
-              <a:t>19-Sep-16</a:t>
+              <a:t>09-Nov-16</a:t>
             </a:fld>
             <a:endParaRPr lang="en-US"/>
           </a:p>
@@ -1035,7 +1035,7 @@
           <a:p>
             <a:fld id="{B7155ECD-3F43-4FB0-B904-4DC0AC5C79AF}" type="datetimeFigureOut">
               <a:rPr lang="en-US" smtClean="0"/>
-              <a:t>19-Sep-16</a:t>
+              <a:t>09-Nov-16</a:t>
             </a:fld>
             <a:endParaRPr lang="en-US"/>
           </a:p>
@@ -1205,7 +1205,7 @@
           <a:p>
             <a:fld id="{B7155ECD-3F43-4FB0-B904-4DC0AC5C79AF}" type="datetimeFigureOut">
               <a:rPr lang="en-US" smtClean="0"/>
-              <a:t>19-Sep-16</a:t>
+              <a:t>09-Nov-16</a:t>
             </a:fld>
             <a:endParaRPr lang="en-US"/>
           </a:p>
@@ -1451,7 +1451,7 @@
           <a:p>
             <a:fld id="{B7155ECD-3F43-4FB0-B904-4DC0AC5C79AF}" type="datetimeFigureOut">
               <a:rPr lang="en-US" smtClean="0"/>
-              <a:t>19-Sep-16</a:t>
+              <a:t>09-Nov-16</a:t>
             </a:fld>
             <a:endParaRPr lang="en-US"/>
           </a:p>
@@ -1683,7 +1683,7 @@
           <a:p>
             <a:fld id="{B7155ECD-3F43-4FB0-B904-4DC0AC5C79AF}" type="datetimeFigureOut">
               <a:rPr lang="en-US" smtClean="0"/>
-              <a:t>19-Sep-16</a:t>
+              <a:t>09-Nov-16</a:t>
             </a:fld>
             <a:endParaRPr lang="en-US"/>
           </a:p>
@@ -2050,7 +2050,7 @@
           <a:p>
             <a:fld id="{B7155ECD-3F43-4FB0-B904-4DC0AC5C79AF}" type="datetimeFigureOut">
               <a:rPr lang="en-US" smtClean="0"/>
-              <a:t>19-Sep-16</a:t>
+              <a:t>09-Nov-16</a:t>
             </a:fld>
             <a:endParaRPr lang="en-US"/>
           </a:p>
@@ -2168,7 +2168,7 @@
           <a:p>
             <a:fld id="{B7155ECD-3F43-4FB0-B904-4DC0AC5C79AF}" type="datetimeFigureOut">
               <a:rPr lang="en-US" smtClean="0"/>
-              <a:t>19-Sep-16</a:t>
+              <a:t>09-Nov-16</a:t>
             </a:fld>
             <a:endParaRPr lang="en-US"/>
           </a:p>
@@ -2263,7 +2263,7 @@
           <a:p>
             <a:fld id="{B7155ECD-3F43-4FB0-B904-4DC0AC5C79AF}" type="datetimeFigureOut">
               <a:rPr lang="en-US" smtClean="0"/>
-              <a:t>19-Sep-16</a:t>
+              <a:t>09-Nov-16</a:t>
             </a:fld>
             <a:endParaRPr lang="en-US"/>
           </a:p>
@@ -2540,7 +2540,7 @@
           <a:p>
             <a:fld id="{B7155ECD-3F43-4FB0-B904-4DC0AC5C79AF}" type="datetimeFigureOut">
               <a:rPr lang="en-US" smtClean="0"/>
-              <a:t>19-Sep-16</a:t>
+              <a:t>09-Nov-16</a:t>
             </a:fld>
             <a:endParaRPr lang="en-US"/>
           </a:p>
@@ -2797,7 +2797,7 @@
           <a:p>
             <a:fld id="{B7155ECD-3F43-4FB0-B904-4DC0AC5C79AF}" type="datetimeFigureOut">
               <a:rPr lang="en-US" smtClean="0"/>
-              <a:t>19-Sep-16</a:t>
+              <a:t>09-Nov-16</a:t>
             </a:fld>
             <a:endParaRPr lang="en-US"/>
           </a:p>
@@ -3010,7 +3010,7 @@
           <a:p>
             <a:fld id="{B7155ECD-3F43-4FB0-B904-4DC0AC5C79AF}" type="datetimeFigureOut">
               <a:rPr lang="en-US" smtClean="0"/>
-              <a:t>19-Sep-16</a:t>
+              <a:t>09-Nov-16</a:t>
             </a:fld>
             <a:endParaRPr lang="en-US"/>
           </a:p>
@@ -3725,7 +3725,7 @@
             </p:nvSpPr>
             <p:spPr>
               <a:xfrm>
-                <a:off x="1564574" y="503376"/>
+                <a:off x="1348737" y="748008"/>
                 <a:ext cx="357085" cy="153888"/>
               </a:xfrm>
               <a:prstGeom prst="rect">
@@ -3791,7 +3791,7 @@
             </p:nvSpPr>
             <p:spPr>
               <a:xfrm>
-                <a:off x="1564574" y="503376"/>
+                <a:off x="1348737" y="748008"/>
                 <a:ext cx="357085" cy="153888"/>
               </a:xfrm>
               <a:prstGeom prst="rect">
@@ -3800,7 +3800,7 @@
               <a:blipFill>
                 <a:blip r:embed="rId3"/>
                 <a:stretch>
-                  <a:fillRect l="-13793" t="-24000" r="-8621" b="-56000"/>
+                  <a:fillRect l="-13559" t="-24000" r="-8475" b="-56000"/>
                 </a:stretch>
               </a:blipFill>
             </p:spPr>
@@ -3829,7 +3829,7 @@
             </p:nvSpPr>
             <p:spPr>
               <a:xfrm>
-                <a:off x="685979" y="1044376"/>
+                <a:off x="954632" y="1153170"/>
                 <a:ext cx="201594" cy="153888"/>
               </a:xfrm>
               <a:prstGeom prst="rect">
@@ -3881,7 +3881,7 @@
             </p:nvSpPr>
             <p:spPr>
               <a:xfrm>
-                <a:off x="685979" y="1044376"/>
+                <a:off x="954632" y="1153170"/>
                 <a:ext cx="201594" cy="153888"/>
               </a:xfrm>
               <a:prstGeom prst="rect">
@@ -3890,7 +3890,7 @@
               <a:blipFill>
                 <a:blip r:embed="rId4"/>
                 <a:stretch>
-                  <a:fillRect l="-18182" r="-15152" b="-7692"/>
+                  <a:fillRect l="-18182" r="-15152" b="-12000"/>
                 </a:stretch>
               </a:blipFill>
             </p:spPr>
@@ -3919,8 +3919,8 @@
             </p:nvSpPr>
             <p:spPr>
               <a:xfrm>
-                <a:off x="2074002" y="1044376"/>
-                <a:ext cx="195566" cy="153888"/>
+                <a:off x="1690198" y="1158247"/>
+                <a:ext cx="415307" cy="153888"/>
               </a:xfrm>
               <a:prstGeom prst="rect">
                 <a:avLst/>
@@ -3952,6 +3952,18 @@
                         </a:rPr>
                         <m:t>𝑏</m:t>
                       </m:r>
+                      <m:r>
+                        <a:rPr lang="en-US" sz="1000" i="1">
+                          <a:latin typeface="Cambria Math" panose="02040503050406030204" pitchFamily="18" charset="0"/>
+                        </a:rPr>
+                        <m:t>,↓</m:t>
+                      </m:r>
+                      <m:r>
+                        <a:rPr lang="en-US" sz="1000" b="0" i="1" smtClean="0">
+                          <a:latin typeface="Cambria Math" panose="02040503050406030204" pitchFamily="18" charset="0"/>
+                        </a:rPr>
+                        <m:t>𝑑</m:t>
+                      </m:r>
                     </m:oMath>
                   </m:oMathPara>
                 </a14:m>
@@ -3971,8 +3983,8 @@
             </p:nvSpPr>
             <p:spPr>
               <a:xfrm>
-                <a:off x="2074002" y="1044376"/>
-                <a:ext cx="195566" cy="153888"/>
+                <a:off x="1690198" y="1158247"/>
+                <a:ext cx="415307" cy="153888"/>
               </a:xfrm>
               <a:prstGeom prst="rect">
                 <a:avLst/>
@@ -3980,7 +3992,7 @@
               <a:blipFill>
                 <a:blip r:embed="rId5"/>
                 <a:stretch>
-                  <a:fillRect l="-18750" r="-15625" b="-7692"/>
+                  <a:fillRect l="-7353" r="-7353" b="-12000"/>
                 </a:stretch>
               </a:blipFill>
             </p:spPr>
@@ -4009,7 +4021,7 @@
             </p:nvSpPr>
             <p:spPr>
               <a:xfrm>
-                <a:off x="2351327" y="503375"/>
+                <a:off x="2648670" y="542374"/>
                 <a:ext cx="202116" cy="307777"/>
               </a:xfrm>
               <a:prstGeom prst="rect">
@@ -4075,7 +4087,7 @@
             </p:nvSpPr>
             <p:spPr>
               <a:xfrm>
-                <a:off x="2351327" y="503375"/>
+                <a:off x="2648670" y="542374"/>
                 <a:ext cx="202116" cy="307777"/>
               </a:xfrm>
               <a:prstGeom prst="rect">
@@ -4084,7 +4096,7 @@
               <a:blipFill>
                 <a:blip r:embed="rId6"/>
                 <a:stretch>
-                  <a:fillRect l="-24242" r="-3030" b="-6000"/>
+                  <a:fillRect l="-23529" b="-6000"/>
                 </a:stretch>
               </a:blipFill>
             </p:spPr>
@@ -4203,7 +4215,7 @@
             </p:nvSpPr>
             <p:spPr>
               <a:xfrm>
-                <a:off x="2753003" y="1330991"/>
+                <a:off x="2621084" y="1166689"/>
                 <a:ext cx="195566" cy="153888"/>
               </a:xfrm>
               <a:prstGeom prst="rect">
@@ -4255,14 +4267,14 @@
             </p:nvSpPr>
             <p:spPr>
               <a:xfrm>
-                <a:off x="2753003" y="1330991"/>
+                <a:off x="2621084" y="1166689"/>
                 <a:ext cx="195566" cy="153888"/>
               </a:xfrm>
               <a:prstGeom prst="rect">
                 <a:avLst/>
               </a:prstGeom>
               <a:blipFill>
-                <a:blip r:embed="rId5"/>
+                <a:blip r:embed="rId8"/>
                 <a:stretch>
                   <a:fillRect l="-18750" r="-15625" b="-7692"/>
                 </a:stretch>
@@ -4321,7 +4333,7 @@
         </p:nvSpPr>
         <p:spPr>
           <a:xfrm>
-            <a:off x="2344296" y="31877"/>
+            <a:off x="2402025" y="31877"/>
             <a:ext cx="1174404" cy="276999"/>
           </a:xfrm>
           <a:prstGeom prst="rect">
@@ -4435,8 +4447,8 @@
           </a:p>
         </p:txBody>
       </p:sp>
-      <mc:AlternateContent xmlns:mc="http://schemas.openxmlformats.org/markup-compatibility/2006" xmlns:a14="http://schemas.microsoft.com/office/drawing/2010/main">
-        <mc:Choice Requires="a14">
+      <mc:AlternateContent xmlns:mc="http://schemas.openxmlformats.org/markup-compatibility/2006">
+        <mc:Choice xmlns:a14="http://schemas.microsoft.com/office/drawing/2010/main" Requires="a14">
           <p:sp>
             <p:nvSpPr>
               <p:cNvPr id="31" name="TextBox 30"/>
@@ -4446,7 +4458,7 @@
             <p:spPr>
               <a:xfrm>
                 <a:off x="159760" y="944598"/>
-                <a:ext cx="282770" cy="153888"/>
+                <a:ext cx="268856" cy="153888"/>
               </a:xfrm>
               <a:prstGeom prst="rect">
                 <a:avLst/>
@@ -4482,7 +4494,7 @@
                         <a:rPr lang="en-US" sz="1000" b="0" i="1" smtClean="0">
                           <a:latin typeface="Cambria Math" panose="02040503050406030204" pitchFamily="18" charset="0"/>
                         </a:rPr>
-                        <m:t>𝐾</m:t>
+                        <m:t>𝑇</m:t>
                       </m:r>
                     </m:oMath>
                   </m:oMathPara>
@@ -4492,7 +4504,7 @@
             </p:txBody>
           </p:sp>
         </mc:Choice>
-        <mc:Fallback xmlns="">
+        <mc:Fallback>
           <p:sp>
             <p:nvSpPr>
               <p:cNvPr id="31" name="TextBox 30"/>
@@ -4504,7 +4516,7 @@
             <p:spPr>
               <a:xfrm>
                 <a:off x="159760" y="944598"/>
-                <a:ext cx="282770" cy="153888"/>
+                <a:ext cx="268856" cy="153888"/>
               </a:xfrm>
               <a:prstGeom prst="rect">
                 <a:avLst/>
@@ -4512,7 +4524,7 @@
               <a:blipFill>
                 <a:blip r:embed="rId9"/>
                 <a:stretch>
-                  <a:fillRect l="-8511" r="-10638" b="-36000"/>
+                  <a:fillRect l="-9091" r="-13636" b="-36000"/>
                 </a:stretch>
               </a:blipFill>
             </p:spPr>

--- a/axes.pptx
+++ b/axes.pptx
@@ -197,7 +197,7 @@
           <a:p>
             <a:fld id="{091E5CB7-630E-4D80-B4AF-B4D36936C591}" type="datetimeFigureOut">
               <a:rPr lang="en-US" smtClean="0"/>
-              <a:t>09-Nov-16</a:t>
+              <a:t>04-May-17</a:t>
             </a:fld>
             <a:endParaRPr lang="en-US"/>
           </a:p>
@@ -685,7 +685,7 @@
           <a:p>
             <a:fld id="{B7155ECD-3F43-4FB0-B904-4DC0AC5C79AF}" type="datetimeFigureOut">
               <a:rPr lang="en-US" smtClean="0"/>
-              <a:t>09-Nov-16</a:t>
+              <a:t>04-May-17</a:t>
             </a:fld>
             <a:endParaRPr lang="en-US"/>
           </a:p>
@@ -855,7 +855,7 @@
           <a:p>
             <a:fld id="{B7155ECD-3F43-4FB0-B904-4DC0AC5C79AF}" type="datetimeFigureOut">
               <a:rPr lang="en-US" smtClean="0"/>
-              <a:t>09-Nov-16</a:t>
+              <a:t>04-May-17</a:t>
             </a:fld>
             <a:endParaRPr lang="en-US"/>
           </a:p>
@@ -1035,7 +1035,7 @@
           <a:p>
             <a:fld id="{B7155ECD-3F43-4FB0-B904-4DC0AC5C79AF}" type="datetimeFigureOut">
               <a:rPr lang="en-US" smtClean="0"/>
-              <a:t>09-Nov-16</a:t>
+              <a:t>04-May-17</a:t>
             </a:fld>
             <a:endParaRPr lang="en-US"/>
           </a:p>
@@ -1205,7 +1205,7 @@
           <a:p>
             <a:fld id="{B7155ECD-3F43-4FB0-B904-4DC0AC5C79AF}" type="datetimeFigureOut">
               <a:rPr lang="en-US" smtClean="0"/>
-              <a:t>09-Nov-16</a:t>
+              <a:t>04-May-17</a:t>
             </a:fld>
             <a:endParaRPr lang="en-US"/>
           </a:p>
@@ -1451,7 +1451,7 @@
           <a:p>
             <a:fld id="{B7155ECD-3F43-4FB0-B904-4DC0AC5C79AF}" type="datetimeFigureOut">
               <a:rPr lang="en-US" smtClean="0"/>
-              <a:t>09-Nov-16</a:t>
+              <a:t>04-May-17</a:t>
             </a:fld>
             <a:endParaRPr lang="en-US"/>
           </a:p>
@@ -1683,7 +1683,7 @@
           <a:p>
             <a:fld id="{B7155ECD-3F43-4FB0-B904-4DC0AC5C79AF}" type="datetimeFigureOut">
               <a:rPr lang="en-US" smtClean="0"/>
-              <a:t>09-Nov-16</a:t>
+              <a:t>04-May-17</a:t>
             </a:fld>
             <a:endParaRPr lang="en-US"/>
           </a:p>
@@ -2050,7 +2050,7 @@
           <a:p>
             <a:fld id="{B7155ECD-3F43-4FB0-B904-4DC0AC5C79AF}" type="datetimeFigureOut">
               <a:rPr lang="en-US" smtClean="0"/>
-              <a:t>09-Nov-16</a:t>
+              <a:t>04-May-17</a:t>
             </a:fld>
             <a:endParaRPr lang="en-US"/>
           </a:p>
@@ -2168,7 +2168,7 @@
           <a:p>
             <a:fld id="{B7155ECD-3F43-4FB0-B904-4DC0AC5C79AF}" type="datetimeFigureOut">
               <a:rPr lang="en-US" smtClean="0"/>
-              <a:t>09-Nov-16</a:t>
+              <a:t>04-May-17</a:t>
             </a:fld>
             <a:endParaRPr lang="en-US"/>
           </a:p>
@@ -2263,7 +2263,7 @@
           <a:p>
             <a:fld id="{B7155ECD-3F43-4FB0-B904-4DC0AC5C79AF}" type="datetimeFigureOut">
               <a:rPr lang="en-US" smtClean="0"/>
-              <a:t>09-Nov-16</a:t>
+              <a:t>04-May-17</a:t>
             </a:fld>
             <a:endParaRPr lang="en-US"/>
           </a:p>
@@ -2540,7 +2540,7 @@
           <a:p>
             <a:fld id="{B7155ECD-3F43-4FB0-B904-4DC0AC5C79AF}" type="datetimeFigureOut">
               <a:rPr lang="en-US" smtClean="0"/>
-              <a:t>09-Nov-16</a:t>
+              <a:t>04-May-17</a:t>
             </a:fld>
             <a:endParaRPr lang="en-US"/>
           </a:p>
@@ -2797,7 +2797,7 @@
           <a:p>
             <a:fld id="{B7155ECD-3F43-4FB0-B904-4DC0AC5C79AF}" type="datetimeFigureOut">
               <a:rPr lang="en-US" smtClean="0"/>
-              <a:t>09-Nov-16</a:t>
+              <a:t>04-May-17</a:t>
             </a:fld>
             <a:endParaRPr lang="en-US"/>
           </a:p>
@@ -3010,7 +3010,7 @@
           <a:p>
             <a:fld id="{B7155ECD-3F43-4FB0-B904-4DC0AC5C79AF}" type="datetimeFigureOut">
               <a:rPr lang="en-US" smtClean="0"/>
-              <a:t>09-Nov-16</a:t>
+              <a:t>04-May-17</a:t>
             </a:fld>
             <a:endParaRPr lang="en-US"/>
           </a:p>
@@ -3423,7 +3423,7 @@
         </p:nvSpPr>
         <p:spPr>
           <a:xfrm>
-            <a:off x="1055429" y="441821"/>
+            <a:off x="1174605" y="441821"/>
             <a:ext cx="556895" cy="276999"/>
           </a:xfrm>
           <a:prstGeom prst="rect">
@@ -3452,7 +3452,7 @@
         </p:nvSpPr>
         <p:spPr>
           <a:xfrm>
-            <a:off x="1767621" y="1262623"/>
+            <a:off x="1886797" y="1262623"/>
             <a:ext cx="674203" cy="276999"/>
           </a:xfrm>
           <a:prstGeom prst="rect">
@@ -3482,7 +3482,7 @@
         </p:nvSpPr>
         <p:spPr>
           <a:xfrm>
-            <a:off x="589363" y="1272376"/>
+            <a:off x="744810" y="1262831"/>
             <a:ext cx="803432" cy="276999"/>
           </a:xfrm>
           <a:prstGeom prst="rect">
@@ -3511,7 +3511,7 @@
         </p:nvCxnSpPr>
         <p:spPr>
           <a:xfrm flipV="1">
-            <a:off x="554670" y="457200"/>
+            <a:off x="696864" y="457200"/>
             <a:ext cx="0" cy="1086117"/>
           </a:xfrm>
           <a:prstGeom prst="straightConnector1">
@@ -3548,7 +3548,7 @@
         </p:nvSpPr>
         <p:spPr>
           <a:xfrm>
-            <a:off x="348417" y="228600"/>
+            <a:off x="470124" y="228600"/>
             <a:ext cx="468398" cy="276999"/>
           </a:xfrm>
           <a:prstGeom prst="rect">
@@ -3577,7 +3577,7 @@
         </p:nvSpPr>
         <p:spPr>
           <a:xfrm>
-            <a:off x="336862" y="1463040"/>
+            <a:off x="460431" y="1463040"/>
             <a:ext cx="440570" cy="276999"/>
           </a:xfrm>
           <a:prstGeom prst="rect">
@@ -3598,184 +3598,50 @@
           </a:p>
         </p:txBody>
       </p:sp>
-      <p:sp>
-        <p:nvSpPr>
-          <p:cNvPr id="4" name="Rectangle 3"/>
-          <p:cNvSpPr/>
-          <p:nvPr/>
-        </p:nvSpPr>
-        <p:spPr>
-          <a:xfrm>
-            <a:off x="-43345" y="696263"/>
-            <a:ext cx="652743" cy="276999"/>
-          </a:xfrm>
-          <a:prstGeom prst="rect">
-            <a:avLst/>
-          </a:prstGeom>
-        </p:spPr>
-        <p:txBody>
-          <a:bodyPr wrap="none">
-            <a:spAutoFit/>
-          </a:bodyPr>
-          <a:lstStyle/>
-          <a:p>
-            <a:r>
-              <a:rPr lang="en-US" sz="1200" dirty="0" smtClean="0"/>
-              <a:t>Density</a:t>
-            </a:r>
-            <a:endParaRPr lang="en-US" sz="1200" dirty="0"/>
-          </a:p>
-        </p:txBody>
-      </p:sp>
-      <p:sp>
-        <p:nvSpPr>
-          <p:cNvPr id="17" name="TextBox 16"/>
-          <p:cNvSpPr txBox="1"/>
-          <p:nvPr/>
-        </p:nvSpPr>
-        <p:spPr>
-          <a:xfrm>
-            <a:off x="2209711" y="242798"/>
-            <a:ext cx="556895" cy="276999"/>
-          </a:xfrm>
-          <a:prstGeom prst="rect">
-            <a:avLst/>
-          </a:prstGeom>
-          <a:noFill/>
-        </p:spPr>
-        <p:txBody>
-          <a:bodyPr wrap="square" rtlCol="0">
-            <a:spAutoFit/>
-          </a:bodyPr>
-          <a:lstStyle/>
-          <a:p>
-            <a:r>
-              <a:rPr lang="en-US" sz="1200" dirty="0"/>
-              <a:t>Ideal</a:t>
-            </a:r>
-          </a:p>
-        </p:txBody>
-      </p:sp>
-      <p:sp>
-        <p:nvSpPr>
-          <p:cNvPr id="18" name="TextBox 17"/>
-          <p:cNvSpPr txBox="1"/>
-          <p:nvPr/>
-        </p:nvSpPr>
-        <p:spPr>
-          <a:xfrm>
-            <a:off x="2350594" y="1398057"/>
-            <a:ext cx="976790" cy="276999"/>
-          </a:xfrm>
-          <a:prstGeom prst="rect">
-            <a:avLst/>
-          </a:prstGeom>
-          <a:noFill/>
-        </p:spPr>
-        <p:txBody>
-          <a:bodyPr wrap="square" rtlCol="0">
-            <a:spAutoFit/>
-          </a:bodyPr>
-          <a:lstStyle/>
-          <a:p>
-            <a:r>
-              <a:rPr lang="en-US" sz="1200" dirty="0" smtClean="0"/>
-              <a:t>Disturb.</a:t>
-            </a:r>
-            <a:endParaRPr lang="en-US" sz="1200" dirty="0"/>
-          </a:p>
-        </p:txBody>
-      </p:sp>
-      <p:sp>
-        <p:nvSpPr>
-          <p:cNvPr id="19" name="TextBox 18"/>
-          <p:cNvSpPr txBox="1"/>
-          <p:nvPr/>
-        </p:nvSpPr>
-        <p:spPr>
-          <a:xfrm>
-            <a:off x="3172775" y="245585"/>
-            <a:ext cx="803432" cy="276999"/>
-          </a:xfrm>
-          <a:prstGeom prst="rect">
-            <a:avLst/>
-          </a:prstGeom>
-          <a:noFill/>
-        </p:spPr>
-        <p:txBody>
-          <a:bodyPr wrap="square" rtlCol="0">
-            <a:spAutoFit/>
-          </a:bodyPr>
-          <a:lstStyle/>
-          <a:p>
-            <a:r>
-              <a:rPr lang="en-US" sz="1200" dirty="0"/>
-              <a:t>Stress</a:t>
-            </a:r>
-          </a:p>
-        </p:txBody>
-      </p:sp>
       <mc:AlternateContent xmlns:mc="http://schemas.openxmlformats.org/markup-compatibility/2006">
         <mc:Choice xmlns:a14="http://schemas.microsoft.com/office/drawing/2010/main" Requires="a14">
           <p:sp>
             <p:nvSpPr>
-              <p:cNvPr id="6" name="TextBox 5"/>
-              <p:cNvSpPr txBox="1"/>
+              <p:cNvPr id="4" name="Rectangle 3"/>
+              <p:cNvSpPr/>
               <p:nvPr/>
             </p:nvSpPr>
             <p:spPr>
               <a:xfrm>
-                <a:off x="1348737" y="748008"/>
-                <a:ext cx="357085" cy="153888"/>
+                <a:off x="-52232" y="678952"/>
+                <a:ext cx="815351" cy="461665"/>
               </a:xfrm>
               <a:prstGeom prst="rect">
                 <a:avLst/>
               </a:prstGeom>
-              <a:noFill/>
             </p:spPr>
             <p:txBody>
-              <a:bodyPr wrap="none" lIns="0" tIns="0" rIns="0" bIns="0" rtlCol="0">
+              <a:bodyPr wrap="none">
                 <a:spAutoFit/>
               </a:bodyPr>
               <a:lstStyle/>
               <a:p>
-                <a14:m>
-                  <m:oMath xmlns:m="http://schemas.openxmlformats.org/officeDocument/2006/math">
-                    <m:r>
-                      <a:rPr lang="en-US" sz="1000" b="0" i="1" smtClean="0">
-                        <a:latin typeface="Cambria Math" panose="02040503050406030204" pitchFamily="18" charset="0"/>
-                      </a:rPr>
-                      <m:t>↑</m:t>
-                    </m:r>
-                    <m:r>
-                      <a:rPr lang="en-US" sz="1000" b="0" i="1" smtClean="0">
-                        <a:latin typeface="Cambria Math" panose="02040503050406030204" pitchFamily="18" charset="0"/>
-                      </a:rPr>
-                      <m:t>𝑏</m:t>
-                    </m:r>
-                  </m:oMath>
-                </a14:m>
                 <a:r>
-                  <a:rPr lang="en-US" sz="1000" b="0" dirty="0" smtClean="0"/>
-                  <a:t>,</a:t>
+                  <a:rPr lang="en-US" sz="1200" dirty="0" smtClean="0"/>
+                  <a:t>Propagule</a:t>
+                </a:r>
+              </a:p>
+              <a:p>
+                <a:r>
+                  <a:rPr lang="en-US" sz="1200" dirty="0" smtClean="0"/>
+                  <a:t>Density </a:t>
                 </a:r>
                 <a14:m>
                   <m:oMath xmlns:m="http://schemas.openxmlformats.org/officeDocument/2006/math">
                     <m:r>
-                      <a:rPr lang="en-US" sz="1000" i="1">
+                      <a:rPr lang="en-US" sz="1200" b="0" i="1" smtClean="0">
                         <a:latin typeface="Cambria Math" panose="02040503050406030204" pitchFamily="18" charset="0"/>
                       </a:rPr>
-                      <m:t>↑</m:t>
-                    </m:r>
-                    <m:r>
-                      <a:rPr lang="en-US" sz="1000" b="0" i="1" smtClean="0">
-                        <a:latin typeface="Cambria Math" panose="02040503050406030204" pitchFamily="18" charset="0"/>
-                      </a:rPr>
-                      <m:t>𝑐</m:t>
+                      <m:t>𝐿</m:t>
                     </m:r>
                   </m:oMath>
                 </a14:m>
-                <a:endParaRPr lang="en-US" sz="1000" b="0" dirty="0" smtClean="0"/>
+                <a:endParaRPr lang="en-US" sz="1200" dirty="0"/>
               </a:p>
             </p:txBody>
           </p:sp>
@@ -3783,16 +3649,16 @@
         <mc:Fallback>
           <p:sp>
             <p:nvSpPr>
-              <p:cNvPr id="6" name="TextBox 5"/>
-              <p:cNvSpPr txBox="1">
+              <p:cNvPr id="4" name="Rectangle 3"/>
+              <p:cNvSpPr>
                 <a:spLocks noRot="1" noChangeAspect="1" noMove="1" noResize="1" noEditPoints="1" noAdjustHandles="1" noChangeArrowheads="1" noChangeShapeType="1" noTextEdit="1"/>
               </p:cNvSpPr>
               <p:nvPr/>
             </p:nvSpPr>
             <p:spPr>
               <a:xfrm>
-                <a:off x="1348737" y="748008"/>
-                <a:ext cx="357085" cy="153888"/>
+                <a:off x="-52232" y="678952"/>
+                <a:ext cx="815351" cy="461665"/>
               </a:xfrm>
               <a:prstGeom prst="rect">
                 <a:avLst/>
@@ -3800,7 +3666,7 @@
               <a:blipFill>
                 <a:blip r:embed="rId3"/>
                 <a:stretch>
-                  <a:fillRect l="-13559" t="-24000" r="-8475" b="-56000"/>
+                  <a:fillRect b="-9211"/>
                 </a:stretch>
               </a:blipFill>
             </p:spPr>
@@ -3819,18 +3685,106 @@
           </p:sp>
         </mc:Fallback>
       </mc:AlternateContent>
+      <p:sp>
+        <p:nvSpPr>
+          <p:cNvPr id="17" name="TextBox 16"/>
+          <p:cNvSpPr txBox="1"/>
+          <p:nvPr/>
+        </p:nvSpPr>
+        <p:spPr>
+          <a:xfrm>
+            <a:off x="2421610" y="292432"/>
+            <a:ext cx="556895" cy="276999"/>
+          </a:xfrm>
+          <a:prstGeom prst="rect">
+            <a:avLst/>
+          </a:prstGeom>
+          <a:noFill/>
+        </p:spPr>
+        <p:txBody>
+          <a:bodyPr wrap="square" rtlCol="0">
+            <a:spAutoFit/>
+          </a:bodyPr>
+          <a:lstStyle/>
+          <a:p>
+            <a:r>
+              <a:rPr lang="en-US" sz="1200" dirty="0"/>
+              <a:t>Ideal</a:t>
+            </a:r>
+          </a:p>
+        </p:txBody>
+      </p:sp>
+      <p:sp>
+        <p:nvSpPr>
+          <p:cNvPr id="18" name="TextBox 17"/>
+          <p:cNvSpPr txBox="1"/>
+          <p:nvPr/>
+        </p:nvSpPr>
+        <p:spPr>
+          <a:xfrm>
+            <a:off x="2445567" y="1398057"/>
+            <a:ext cx="976790" cy="276999"/>
+          </a:xfrm>
+          <a:prstGeom prst="rect">
+            <a:avLst/>
+          </a:prstGeom>
+          <a:noFill/>
+        </p:spPr>
+        <p:txBody>
+          <a:bodyPr wrap="square" rtlCol="0">
+            <a:spAutoFit/>
+          </a:bodyPr>
+          <a:lstStyle/>
+          <a:p>
+            <a:r>
+              <a:rPr lang="en-US" sz="1200" dirty="0" smtClean="0"/>
+              <a:t>Disturb.</a:t>
+            </a:r>
+            <a:endParaRPr lang="en-US" sz="1200" dirty="0"/>
+          </a:p>
+        </p:txBody>
+      </p:sp>
+      <p:sp>
+        <p:nvSpPr>
+          <p:cNvPr id="19" name="TextBox 18"/>
+          <p:cNvSpPr txBox="1"/>
+          <p:nvPr/>
+        </p:nvSpPr>
+        <p:spPr>
+          <a:xfrm>
+            <a:off x="3172775" y="285674"/>
+            <a:ext cx="803432" cy="276999"/>
+          </a:xfrm>
+          <a:prstGeom prst="rect">
+            <a:avLst/>
+          </a:prstGeom>
+          <a:noFill/>
+        </p:spPr>
+        <p:txBody>
+          <a:bodyPr wrap="square" rtlCol="0">
+            <a:spAutoFit/>
+          </a:bodyPr>
+          <a:lstStyle/>
+          <a:p>
+            <a:r>
+              <a:rPr lang="en-US" sz="1200" dirty="0"/>
+              <a:t>Stress</a:t>
+            </a:r>
+          </a:p>
+        </p:txBody>
+      </p:sp>
       <mc:AlternateContent xmlns:mc="http://schemas.openxmlformats.org/markup-compatibility/2006">
         <mc:Choice xmlns:a14="http://schemas.microsoft.com/office/drawing/2010/main" Requires="a14">
           <p:sp>
             <p:nvSpPr>
-              <p:cNvPr id="22" name="TextBox 21"/>
+              <p:cNvPr id="6" name="TextBox 5"/>
               <p:cNvSpPr txBox="1"/>
               <p:nvPr/>
             </p:nvSpPr>
             <p:spPr>
               <a:xfrm>
-                <a:off x="954632" y="1153170"/>
-                <a:ext cx="201594" cy="153888"/>
+                <a:off x="2199" y="445936"/>
+                <a:ext cx="620619" cy="153888"/>
               </a:xfrm>
               <a:prstGeom prst="rect">
                 <a:avLst/>
@@ -3843,7 +3797,6 @@
               </a:bodyPr>
               <a:lstStyle/>
               <a:p>
-                <a:pPr/>
                 <a14:m>
                   <m:oMathPara xmlns:m="http://schemas.openxmlformats.org/officeDocument/2006/math">
                     <m:oMathParaPr>
@@ -3854,103 +3807,25 @@
                         <a:rPr lang="en-US" sz="1000" b="0" i="1" smtClean="0">
                           <a:latin typeface="Cambria Math" panose="02040503050406030204" pitchFamily="18" charset="0"/>
                         </a:rPr>
-                        <m:t>↓</m:t>
-                      </m:r>
-                      <m:r>
-                        <a:rPr lang="en-US" sz="1000" i="1">
-                          <a:latin typeface="Cambria Math" panose="02040503050406030204" pitchFamily="18" charset="0"/>
-                        </a:rPr>
-                        <m:t>𝑑</m:t>
-                      </m:r>
-                    </m:oMath>
-                  </m:oMathPara>
-                </a14:m>
-                <a:endParaRPr lang="en-US" sz="1000" b="0" dirty="0" smtClean="0"/>
-              </a:p>
-            </p:txBody>
-          </p:sp>
-        </mc:Choice>
-        <mc:Fallback>
-          <p:sp>
-            <p:nvSpPr>
-              <p:cNvPr id="22" name="TextBox 21"/>
-              <p:cNvSpPr txBox="1">
-                <a:spLocks noRot="1" noChangeAspect="1" noMove="1" noResize="1" noEditPoints="1" noAdjustHandles="1" noChangeArrowheads="1" noChangeShapeType="1" noTextEdit="1"/>
-              </p:cNvSpPr>
-              <p:nvPr/>
-            </p:nvSpPr>
-            <p:spPr>
-              <a:xfrm>
-                <a:off x="954632" y="1153170"/>
-                <a:ext cx="201594" cy="153888"/>
-              </a:xfrm>
-              <a:prstGeom prst="rect">
-                <a:avLst/>
-              </a:prstGeom>
-              <a:blipFill>
-                <a:blip r:embed="rId4"/>
-                <a:stretch>
-                  <a:fillRect l="-18182" r="-15152" b="-12000"/>
-                </a:stretch>
-              </a:blipFill>
-            </p:spPr>
-            <p:txBody>
-              <a:bodyPr/>
-              <a:lstStyle/>
-              <a:p>
-                <a:r>
-                  <a:rPr lang="en-US">
-                    <a:noFill/>
-                  </a:rPr>
-                  <a:t> </a:t>
-                </a:r>
-              </a:p>
-            </p:txBody>
-          </p:sp>
-        </mc:Fallback>
-      </mc:AlternateContent>
-      <mc:AlternateContent xmlns:mc="http://schemas.openxmlformats.org/markup-compatibility/2006">
-        <mc:Choice xmlns:a14="http://schemas.microsoft.com/office/drawing/2010/main" Requires="a14">
-          <p:sp>
-            <p:nvSpPr>
-              <p:cNvPr id="24" name="TextBox 23"/>
-              <p:cNvSpPr txBox="1"/>
-              <p:nvPr/>
-            </p:nvSpPr>
-            <p:spPr>
-              <a:xfrm>
-                <a:off x="1690198" y="1158247"/>
-                <a:ext cx="415307" cy="153888"/>
-              </a:xfrm>
-              <a:prstGeom prst="rect">
-                <a:avLst/>
-              </a:prstGeom>
-              <a:noFill/>
-            </p:spPr>
-            <p:txBody>
-              <a:bodyPr wrap="none" lIns="0" tIns="0" rIns="0" bIns="0" rtlCol="0">
-                <a:spAutoFit/>
-              </a:bodyPr>
-              <a:lstStyle/>
-              <a:p>
-                <a:pPr/>
-                <a14:m>
-                  <m:oMathPara xmlns:m="http://schemas.openxmlformats.org/officeDocument/2006/math">
-                    <m:oMathParaPr>
-                      <m:jc m:val="centerGroup"/>
-                    </m:oMathParaPr>
-                    <m:oMath xmlns:m="http://schemas.openxmlformats.org/officeDocument/2006/math">
-                      <m:r>
-                        <a:rPr lang="en-US" sz="1000" i="1" smtClean="0">
-                          <a:latin typeface="Cambria Math" panose="02040503050406030204" pitchFamily="18" charset="0"/>
-                        </a:rPr>
                         <m:t>↑</m:t>
                       </m:r>
                       <m:r>
-                        <a:rPr lang="en-US" sz="1000" i="1" smtClean="0">
+                        <a:rPr lang="en-US" sz="1000" b="0" i="1" smtClean="0">
                           <a:latin typeface="Cambria Math" panose="02040503050406030204" pitchFamily="18" charset="0"/>
                         </a:rPr>
                         <m:t>𝑏</m:t>
+                      </m:r>
+                      <m:r>
+                        <a:rPr lang="en-US" sz="1000" b="0" i="1" smtClean="0">
+                          <a:latin typeface="Cambria Math" panose="02040503050406030204" pitchFamily="18" charset="0"/>
+                        </a:rPr>
+                        <m:t>,↑</m:t>
+                      </m:r>
+                      <m:r>
+                        <a:rPr lang="en-US" sz="1000" b="0" i="1" smtClean="0">
+                          <a:latin typeface="Cambria Math" panose="02040503050406030204" pitchFamily="18" charset="0"/>
+                        </a:rPr>
+                        <m:t>𝑐</m:t>
                       </m:r>
                       <m:r>
                         <a:rPr lang="en-US" sz="1000" i="1">
@@ -3975,7 +3850,7 @@
         <mc:Fallback>
           <p:sp>
             <p:nvSpPr>
-              <p:cNvPr id="24" name="TextBox 23"/>
+              <p:cNvPr id="6" name="TextBox 5"/>
               <p:cNvSpPr txBox="1">
                 <a:spLocks noRot="1" noChangeAspect="1" noMove="1" noResize="1" noEditPoints="1" noAdjustHandles="1" noChangeArrowheads="1" noChangeShapeType="1" noTextEdit="1"/>
               </p:cNvSpPr>
@@ -3983,16 +3858,16 @@
             </p:nvSpPr>
             <p:spPr>
               <a:xfrm>
-                <a:off x="1690198" y="1158247"/>
-                <a:ext cx="415307" cy="153888"/>
+                <a:off x="2199" y="445936"/>
+                <a:ext cx="620619" cy="153888"/>
               </a:xfrm>
               <a:prstGeom prst="rect">
                 <a:avLst/>
               </a:prstGeom>
               <a:blipFill>
-                <a:blip r:embed="rId5"/>
+                <a:blip r:embed="rId4"/>
                 <a:stretch>
-                  <a:fillRect l="-7353" r="-7353" b="-12000"/>
+                  <a:fillRect l="-4902" r="-3922" b="-12000"/>
                 </a:stretch>
               </a:blipFill>
             </p:spPr>
@@ -4011,290 +3886,6 @@
           </p:sp>
         </mc:Fallback>
       </mc:AlternateContent>
-      <mc:AlternateContent xmlns:mc="http://schemas.openxmlformats.org/markup-compatibility/2006">
-        <mc:Choice xmlns:a14="http://schemas.microsoft.com/office/drawing/2010/main" Requires="a14">
-          <p:sp>
-            <p:nvSpPr>
-              <p:cNvPr id="25" name="TextBox 24"/>
-              <p:cNvSpPr txBox="1"/>
-              <p:nvPr/>
-            </p:nvSpPr>
-            <p:spPr>
-              <a:xfrm>
-                <a:off x="2648670" y="542374"/>
-                <a:ext cx="202116" cy="307777"/>
-              </a:xfrm>
-              <a:prstGeom prst="rect">
-                <a:avLst/>
-              </a:prstGeom>
-              <a:noFill/>
-            </p:spPr>
-            <p:txBody>
-              <a:bodyPr wrap="square" lIns="0" tIns="0" rIns="0" bIns="0" rtlCol="0">
-                <a:spAutoFit/>
-              </a:bodyPr>
-              <a:lstStyle/>
-              <a:p>
-                <a14:m>
-                  <m:oMath xmlns:m="http://schemas.openxmlformats.org/officeDocument/2006/math">
-                    <m:r>
-                      <a:rPr lang="en-US" sz="1000" b="0" i="1" smtClean="0">
-                        <a:latin typeface="Cambria Math" panose="02040503050406030204" pitchFamily="18" charset="0"/>
-                      </a:rPr>
-                      <m:t>↑</m:t>
-                    </m:r>
-                    <m:r>
-                      <a:rPr lang="en-US" sz="1000" b="0" i="1" smtClean="0">
-                        <a:latin typeface="Cambria Math" panose="02040503050406030204" pitchFamily="18" charset="0"/>
-                      </a:rPr>
-                      <m:t>𝑏</m:t>
-                    </m:r>
-                  </m:oMath>
-                </a14:m>
-                <a:r>
-                  <a:rPr lang="en-US" sz="1000" b="0" dirty="0" smtClean="0"/>
-                  <a:t> </a:t>
-                </a:r>
-                <a14:m>
-                  <m:oMath xmlns:m="http://schemas.openxmlformats.org/officeDocument/2006/math">
-                    <m:r>
-                      <a:rPr lang="en-US" sz="1000" i="1">
-                        <a:latin typeface="Cambria Math" panose="02040503050406030204" pitchFamily="18" charset="0"/>
-                      </a:rPr>
-                      <m:t>↑</m:t>
-                    </m:r>
-                    <m:r>
-                      <a:rPr lang="en-US" sz="1000" b="0" i="1" smtClean="0">
-                        <a:latin typeface="Cambria Math" panose="02040503050406030204" pitchFamily="18" charset="0"/>
-                      </a:rPr>
-                      <m:t>𝑐</m:t>
-                    </m:r>
-                  </m:oMath>
-                </a14:m>
-                <a:endParaRPr lang="en-US" sz="1000" b="0" dirty="0" smtClean="0"/>
-              </a:p>
-            </p:txBody>
-          </p:sp>
-        </mc:Choice>
-        <mc:Fallback>
-          <p:sp>
-            <p:nvSpPr>
-              <p:cNvPr id="25" name="TextBox 24"/>
-              <p:cNvSpPr txBox="1">
-                <a:spLocks noRot="1" noChangeAspect="1" noMove="1" noResize="1" noEditPoints="1" noAdjustHandles="1" noChangeArrowheads="1" noChangeShapeType="1" noTextEdit="1"/>
-              </p:cNvSpPr>
-              <p:nvPr/>
-            </p:nvSpPr>
-            <p:spPr>
-              <a:xfrm>
-                <a:off x="2648670" y="542374"/>
-                <a:ext cx="202116" cy="307777"/>
-              </a:xfrm>
-              <a:prstGeom prst="rect">
-                <a:avLst/>
-              </a:prstGeom>
-              <a:blipFill>
-                <a:blip r:embed="rId6"/>
-                <a:stretch>
-                  <a:fillRect l="-23529" b="-6000"/>
-                </a:stretch>
-              </a:blipFill>
-            </p:spPr>
-            <p:txBody>
-              <a:bodyPr/>
-              <a:lstStyle/>
-              <a:p>
-                <a:r>
-                  <a:rPr lang="en-US">
-                    <a:noFill/>
-                  </a:rPr>
-                  <a:t> </a:t>
-                </a:r>
-              </a:p>
-            </p:txBody>
-          </p:sp>
-        </mc:Fallback>
-      </mc:AlternateContent>
-      <mc:AlternateContent xmlns:mc="http://schemas.openxmlformats.org/markup-compatibility/2006">
-        <mc:Choice xmlns:a14="http://schemas.microsoft.com/office/drawing/2010/main" Requires="a14">
-          <p:sp>
-            <p:nvSpPr>
-              <p:cNvPr id="26" name="TextBox 25"/>
-              <p:cNvSpPr txBox="1"/>
-              <p:nvPr/>
-            </p:nvSpPr>
-            <p:spPr>
-              <a:xfrm>
-                <a:off x="3323018" y="736694"/>
-                <a:ext cx="187167" cy="153888"/>
-              </a:xfrm>
-              <a:prstGeom prst="rect">
-                <a:avLst/>
-              </a:prstGeom>
-              <a:noFill/>
-            </p:spPr>
-            <p:txBody>
-              <a:bodyPr wrap="none" lIns="0" tIns="0" rIns="0" bIns="0" rtlCol="0">
-                <a:spAutoFit/>
-              </a:bodyPr>
-              <a:lstStyle/>
-              <a:p>
-                <a:pPr/>
-                <a14:m>
-                  <m:oMathPara xmlns:m="http://schemas.openxmlformats.org/officeDocument/2006/math">
-                    <m:oMathParaPr>
-                      <m:jc m:val="centerGroup"/>
-                    </m:oMathParaPr>
-                    <m:oMath xmlns:m="http://schemas.openxmlformats.org/officeDocument/2006/math">
-                      <m:r>
-                        <a:rPr lang="en-US" sz="1000" b="0" i="1" smtClean="0">
-                          <a:latin typeface="Cambria Math" panose="02040503050406030204" pitchFamily="18" charset="0"/>
-                        </a:rPr>
-                        <m:t>↑</m:t>
-                      </m:r>
-                      <m:r>
-                        <a:rPr lang="en-US" sz="1000" b="0" i="1" smtClean="0">
-                          <a:latin typeface="Cambria Math" panose="02040503050406030204" pitchFamily="18" charset="0"/>
-                        </a:rPr>
-                        <m:t>𝑐</m:t>
-                      </m:r>
-                    </m:oMath>
-                  </m:oMathPara>
-                </a14:m>
-                <a:endParaRPr lang="en-US" sz="1000" b="0" dirty="0" smtClean="0"/>
-              </a:p>
-            </p:txBody>
-          </p:sp>
-        </mc:Choice>
-        <mc:Fallback>
-          <p:sp>
-            <p:nvSpPr>
-              <p:cNvPr id="26" name="TextBox 25"/>
-              <p:cNvSpPr txBox="1">
-                <a:spLocks noRot="1" noChangeAspect="1" noMove="1" noResize="1" noEditPoints="1" noAdjustHandles="1" noChangeArrowheads="1" noChangeShapeType="1" noTextEdit="1"/>
-              </p:cNvSpPr>
-              <p:nvPr/>
-            </p:nvSpPr>
-            <p:spPr>
-              <a:xfrm>
-                <a:off x="3323018" y="736694"/>
-                <a:ext cx="187167" cy="153888"/>
-              </a:xfrm>
-              <a:prstGeom prst="rect">
-                <a:avLst/>
-              </a:prstGeom>
-              <a:blipFill>
-                <a:blip r:embed="rId7"/>
-                <a:stretch>
-                  <a:fillRect l="-19355" r="-9677" b="-12000"/>
-                </a:stretch>
-              </a:blipFill>
-            </p:spPr>
-            <p:txBody>
-              <a:bodyPr/>
-              <a:lstStyle/>
-              <a:p>
-                <a:r>
-                  <a:rPr lang="en-US">
-                    <a:noFill/>
-                  </a:rPr>
-                  <a:t> </a:t>
-                </a:r>
-              </a:p>
-            </p:txBody>
-          </p:sp>
-        </mc:Fallback>
-      </mc:AlternateContent>
-      <mc:AlternateContent xmlns:mc="http://schemas.openxmlformats.org/markup-compatibility/2006">
-        <mc:Choice xmlns:a14="http://schemas.microsoft.com/office/drawing/2010/main" Requires="a14">
-          <p:sp>
-            <p:nvSpPr>
-              <p:cNvPr id="27" name="TextBox 26"/>
-              <p:cNvSpPr txBox="1"/>
-              <p:nvPr/>
-            </p:nvSpPr>
-            <p:spPr>
-              <a:xfrm>
-                <a:off x="2621084" y="1166689"/>
-                <a:ext cx="195566" cy="153888"/>
-              </a:xfrm>
-              <a:prstGeom prst="rect">
-                <a:avLst/>
-              </a:prstGeom>
-              <a:noFill/>
-            </p:spPr>
-            <p:txBody>
-              <a:bodyPr wrap="none" lIns="0" tIns="0" rIns="0" bIns="0" rtlCol="0">
-                <a:spAutoFit/>
-              </a:bodyPr>
-              <a:lstStyle/>
-              <a:p>
-                <a:pPr/>
-                <a14:m>
-                  <m:oMathPara xmlns:m="http://schemas.openxmlformats.org/officeDocument/2006/math">
-                    <m:oMathParaPr>
-                      <m:jc m:val="centerGroup"/>
-                    </m:oMathParaPr>
-                    <m:oMath xmlns:m="http://schemas.openxmlformats.org/officeDocument/2006/math">
-                      <m:r>
-                        <a:rPr lang="en-US" sz="1000" i="1" smtClean="0">
-                          <a:latin typeface="Cambria Math" panose="02040503050406030204" pitchFamily="18" charset="0"/>
-                        </a:rPr>
-                        <m:t>↑</m:t>
-                      </m:r>
-                      <m:r>
-                        <a:rPr lang="en-US" sz="1000" b="0" i="1" smtClean="0">
-                          <a:latin typeface="Cambria Math" panose="02040503050406030204" pitchFamily="18" charset="0"/>
-                        </a:rPr>
-                        <m:t>𝑏</m:t>
-                      </m:r>
-                    </m:oMath>
-                  </m:oMathPara>
-                </a14:m>
-                <a:endParaRPr lang="en-US" sz="1000" b="0" dirty="0" smtClean="0"/>
-              </a:p>
-            </p:txBody>
-          </p:sp>
-        </mc:Choice>
-        <mc:Fallback>
-          <p:sp>
-            <p:nvSpPr>
-              <p:cNvPr id="27" name="TextBox 26"/>
-              <p:cNvSpPr txBox="1">
-                <a:spLocks noRot="1" noChangeAspect="1" noMove="1" noResize="1" noEditPoints="1" noAdjustHandles="1" noChangeArrowheads="1" noChangeShapeType="1" noTextEdit="1"/>
-              </p:cNvSpPr>
-              <p:nvPr/>
-            </p:nvSpPr>
-            <p:spPr>
-              <a:xfrm>
-                <a:off x="2621084" y="1166689"/>
-                <a:ext cx="195566" cy="153888"/>
-              </a:xfrm>
-              <a:prstGeom prst="rect">
-                <a:avLst/>
-              </a:prstGeom>
-              <a:blipFill>
-                <a:blip r:embed="rId8"/>
-                <a:stretch>
-                  <a:fillRect l="-18750" r="-15625" b="-7692"/>
-                </a:stretch>
-              </a:blipFill>
-            </p:spPr>
-            <p:txBody>
-              <a:bodyPr/>
-              <a:lstStyle/>
-              <a:p>
-                <a:r>
-                  <a:rPr lang="en-US">
-                    <a:noFill/>
-                  </a:rPr>
-                  <a:t> </a:t>
-                </a:r>
-              </a:p>
-            </p:txBody>
-          </p:sp>
-        </mc:Fallback>
-      </mc:AlternateContent>
       <p:sp>
         <p:nvSpPr>
           <p:cNvPr id="28" name="TextBox 27"/>
@@ -4303,7 +3894,7 @@
         </p:nvSpPr>
         <p:spPr>
           <a:xfrm>
-            <a:off x="1203070" y="31878"/>
+            <a:off x="1352056" y="50819"/>
             <a:ext cx="600472" cy="276999"/>
           </a:xfrm>
           <a:prstGeom prst="rect">
@@ -4333,7 +3924,7 @@
         </p:nvSpPr>
         <p:spPr>
           <a:xfrm>
-            <a:off x="2402025" y="31877"/>
+            <a:off x="2528019" y="31877"/>
             <a:ext cx="1174404" cy="276999"/>
           </a:xfrm>
           <a:prstGeom prst="rect">
@@ -4349,7 +3940,7 @@
           <a:p>
             <a:r>
               <a:rPr lang="en-US" sz="1200" dirty="0" smtClean="0"/>
-              <a:t>Resource comp.</a:t>
+              <a:t>HD stress</a:t>
             </a:r>
             <a:endParaRPr lang="en-US" sz="1200" dirty="0"/>
           </a:p>
@@ -4363,7 +3954,7 @@
         </p:nvSpPr>
         <p:spPr>
           <a:xfrm rot="8100000">
-            <a:off x="1016298" y="808141"/>
+            <a:off x="1135474" y="808141"/>
             <a:ext cx="1005840" cy="1005840"/>
           </a:xfrm>
           <a:prstGeom prst="rtTriangle">
@@ -4451,14 +4042,14 @@
         <mc:Choice xmlns:a14="http://schemas.microsoft.com/office/drawing/2010/main" Requires="a14">
           <p:sp>
             <p:nvSpPr>
-              <p:cNvPr id="31" name="TextBox 30"/>
+              <p:cNvPr id="23" name="TextBox 22"/>
               <p:cNvSpPr txBox="1"/>
               <p:nvPr/>
             </p:nvSpPr>
             <p:spPr>
               <a:xfrm>
-                <a:off x="159760" y="944598"/>
-                <a:ext cx="268856" cy="153888"/>
+                <a:off x="113628" y="1367464"/>
+                <a:ext cx="415305" cy="153888"/>
               </a:xfrm>
               <a:prstGeom prst="rect">
                 <a:avLst/>
@@ -4471,7 +4062,6 @@
               </a:bodyPr>
               <a:lstStyle/>
               <a:p>
-                <a:pPr/>
                 <a14:m>
                   <m:oMathPara xmlns:m="http://schemas.openxmlformats.org/officeDocument/2006/math">
                     <m:oMathParaPr>
@@ -4482,103 +4072,19 @@
                         <a:rPr lang="en-US" sz="1000" b="0" i="1" smtClean="0">
                           <a:latin typeface="Cambria Math" panose="02040503050406030204" pitchFamily="18" charset="0"/>
                         </a:rPr>
-                        <m:t>𝑁</m:t>
+                        <m:t>↑</m:t>
                       </m:r>
                       <m:r>
                         <a:rPr lang="en-US" sz="1000" b="0" i="1" smtClean="0">
                           <a:latin typeface="Cambria Math" panose="02040503050406030204" pitchFamily="18" charset="0"/>
                         </a:rPr>
-                        <m:t>/</m:t>
+                        <m:t>𝑏</m:t>
                       </m:r>
                       <m:r>
                         <a:rPr lang="en-US" sz="1000" b="0" i="1" smtClean="0">
                           <a:latin typeface="Cambria Math" panose="02040503050406030204" pitchFamily="18" charset="0"/>
                         </a:rPr>
-                        <m:t>𝑇</m:t>
-                      </m:r>
-                    </m:oMath>
-                  </m:oMathPara>
-                </a14:m>
-                <a:endParaRPr lang="en-US" sz="1000" b="0" dirty="0" smtClean="0"/>
-              </a:p>
-            </p:txBody>
-          </p:sp>
-        </mc:Choice>
-        <mc:Fallback>
-          <p:sp>
-            <p:nvSpPr>
-              <p:cNvPr id="31" name="TextBox 30"/>
-              <p:cNvSpPr txBox="1">
-                <a:spLocks noRot="1" noChangeAspect="1" noMove="1" noResize="1" noEditPoints="1" noAdjustHandles="1" noChangeArrowheads="1" noChangeShapeType="1" noTextEdit="1"/>
-              </p:cNvSpPr>
-              <p:nvPr/>
-            </p:nvSpPr>
-            <p:spPr>
-              <a:xfrm>
-                <a:off x="159760" y="944598"/>
-                <a:ext cx="268856" cy="153888"/>
-              </a:xfrm>
-              <a:prstGeom prst="rect">
-                <a:avLst/>
-              </a:prstGeom>
-              <a:blipFill>
-                <a:blip r:embed="rId9"/>
-                <a:stretch>
-                  <a:fillRect l="-9091" r="-13636" b="-36000"/>
-                </a:stretch>
-              </a:blipFill>
-            </p:spPr>
-            <p:txBody>
-              <a:bodyPr/>
-              <a:lstStyle/>
-              <a:p>
-                <a:r>
-                  <a:rPr lang="en-US">
-                    <a:noFill/>
-                  </a:rPr>
-                  <a:t> </a:t>
-                </a:r>
-              </a:p>
-            </p:txBody>
-          </p:sp>
-        </mc:Fallback>
-      </mc:AlternateContent>
-      <mc:AlternateContent xmlns:mc="http://schemas.openxmlformats.org/markup-compatibility/2006">
-        <mc:Choice xmlns:a14="http://schemas.microsoft.com/office/drawing/2010/main" Requires="a14">
-          <p:sp>
-            <p:nvSpPr>
-              <p:cNvPr id="32" name="TextBox 31"/>
-              <p:cNvSpPr txBox="1"/>
-              <p:nvPr/>
-            </p:nvSpPr>
-            <p:spPr>
-              <a:xfrm>
-                <a:off x="3421686" y="627460"/>
-                <a:ext cx="201594" cy="153888"/>
-              </a:xfrm>
-              <a:prstGeom prst="rect">
-                <a:avLst/>
-              </a:prstGeom>
-              <a:noFill/>
-            </p:spPr>
-            <p:txBody>
-              <a:bodyPr wrap="none" lIns="0" tIns="0" rIns="0" bIns="0" rtlCol="0">
-                <a:spAutoFit/>
-              </a:bodyPr>
-              <a:lstStyle/>
-              <a:p>
-                <a:pPr/>
-                <a14:m>
-                  <m:oMathPara xmlns:m="http://schemas.openxmlformats.org/officeDocument/2006/math">
-                    <m:oMathParaPr>
-                      <m:jc m:val="centerGroup"/>
-                    </m:oMathParaPr>
-                    <m:oMath xmlns:m="http://schemas.openxmlformats.org/officeDocument/2006/math">
-                      <m:r>
-                        <a:rPr lang="en-US" sz="1000" b="0" i="1" smtClean="0">
-                          <a:latin typeface="Cambria Math" panose="02040503050406030204" pitchFamily="18" charset="0"/>
-                        </a:rPr>
-                        <m:t>↓</m:t>
+                        <m:t>,↓</m:t>
                       </m:r>
                       <m:r>
                         <a:rPr lang="en-US" sz="1000" b="0" i="1" smtClean="0">
@@ -4597,7 +4103,7 @@
         <mc:Fallback>
           <p:sp>
             <p:nvSpPr>
-              <p:cNvPr id="32" name="TextBox 31"/>
+              <p:cNvPr id="23" name="TextBox 22"/>
               <p:cNvSpPr txBox="1">
                 <a:spLocks noRot="1" noChangeAspect="1" noMove="1" noResize="1" noEditPoints="1" noAdjustHandles="1" noChangeArrowheads="1" noChangeShapeType="1" noTextEdit="1"/>
               </p:cNvSpPr>
@@ -4605,16 +4111,16 @@
             </p:nvSpPr>
             <p:spPr>
               <a:xfrm>
-                <a:off x="3421686" y="627460"/>
-                <a:ext cx="201594" cy="153888"/>
+                <a:off x="113628" y="1367464"/>
+                <a:ext cx="415305" cy="153888"/>
               </a:xfrm>
               <a:prstGeom prst="rect">
                 <a:avLst/>
               </a:prstGeom>
               <a:blipFill>
-                <a:blip r:embed="rId4"/>
+                <a:blip r:embed="rId5"/>
                 <a:stretch>
-                  <a:fillRect l="-18182" r="-15152" b="-12000"/>
+                  <a:fillRect l="-7353" r="-7353" b="-7692"/>
                 </a:stretch>
               </a:blipFill>
             </p:spPr>

--- a/axes.pptx
+++ b/axes.pptx
@@ -197,7 +197,7 @@
           <a:p>
             <a:fld id="{091E5CB7-630E-4D80-B4AF-B4D36936C591}" type="datetimeFigureOut">
               <a:rPr lang="en-US" smtClean="0"/>
-              <a:t>04-May-17</a:t>
+              <a:t>05-May-17</a:t>
             </a:fld>
             <a:endParaRPr lang="en-US"/>
           </a:p>
@@ -685,7 +685,7 @@
           <a:p>
             <a:fld id="{B7155ECD-3F43-4FB0-B904-4DC0AC5C79AF}" type="datetimeFigureOut">
               <a:rPr lang="en-US" smtClean="0"/>
-              <a:t>04-May-17</a:t>
+              <a:t>05-May-17</a:t>
             </a:fld>
             <a:endParaRPr lang="en-US"/>
           </a:p>
@@ -855,7 +855,7 @@
           <a:p>
             <a:fld id="{B7155ECD-3F43-4FB0-B904-4DC0AC5C79AF}" type="datetimeFigureOut">
               <a:rPr lang="en-US" smtClean="0"/>
-              <a:t>04-May-17</a:t>
+              <a:t>05-May-17</a:t>
             </a:fld>
             <a:endParaRPr lang="en-US"/>
           </a:p>
@@ -1035,7 +1035,7 @@
           <a:p>
             <a:fld id="{B7155ECD-3F43-4FB0-B904-4DC0AC5C79AF}" type="datetimeFigureOut">
               <a:rPr lang="en-US" smtClean="0"/>
-              <a:t>04-May-17</a:t>
+              <a:t>05-May-17</a:t>
             </a:fld>
             <a:endParaRPr lang="en-US"/>
           </a:p>
@@ -1205,7 +1205,7 @@
           <a:p>
             <a:fld id="{B7155ECD-3F43-4FB0-B904-4DC0AC5C79AF}" type="datetimeFigureOut">
               <a:rPr lang="en-US" smtClean="0"/>
-              <a:t>04-May-17</a:t>
+              <a:t>05-May-17</a:t>
             </a:fld>
             <a:endParaRPr lang="en-US"/>
           </a:p>
@@ -1451,7 +1451,7 @@
           <a:p>
             <a:fld id="{B7155ECD-3F43-4FB0-B904-4DC0AC5C79AF}" type="datetimeFigureOut">
               <a:rPr lang="en-US" smtClean="0"/>
-              <a:t>04-May-17</a:t>
+              <a:t>05-May-17</a:t>
             </a:fld>
             <a:endParaRPr lang="en-US"/>
           </a:p>
@@ -1683,7 +1683,7 @@
           <a:p>
             <a:fld id="{B7155ECD-3F43-4FB0-B904-4DC0AC5C79AF}" type="datetimeFigureOut">
               <a:rPr lang="en-US" smtClean="0"/>
-              <a:t>04-May-17</a:t>
+              <a:t>05-May-17</a:t>
             </a:fld>
             <a:endParaRPr lang="en-US"/>
           </a:p>
@@ -2050,7 +2050,7 @@
           <a:p>
             <a:fld id="{B7155ECD-3F43-4FB0-B904-4DC0AC5C79AF}" type="datetimeFigureOut">
               <a:rPr lang="en-US" smtClean="0"/>
-              <a:t>04-May-17</a:t>
+              <a:t>05-May-17</a:t>
             </a:fld>
             <a:endParaRPr lang="en-US"/>
           </a:p>
@@ -2168,7 +2168,7 @@
           <a:p>
             <a:fld id="{B7155ECD-3F43-4FB0-B904-4DC0AC5C79AF}" type="datetimeFigureOut">
               <a:rPr lang="en-US" smtClean="0"/>
-              <a:t>04-May-17</a:t>
+              <a:t>05-May-17</a:t>
             </a:fld>
             <a:endParaRPr lang="en-US"/>
           </a:p>
@@ -2263,7 +2263,7 @@
           <a:p>
             <a:fld id="{B7155ECD-3F43-4FB0-B904-4DC0AC5C79AF}" type="datetimeFigureOut">
               <a:rPr lang="en-US" smtClean="0"/>
-              <a:t>04-May-17</a:t>
+              <a:t>05-May-17</a:t>
             </a:fld>
             <a:endParaRPr lang="en-US"/>
           </a:p>
@@ -2540,7 +2540,7 @@
           <a:p>
             <a:fld id="{B7155ECD-3F43-4FB0-B904-4DC0AC5C79AF}" type="datetimeFigureOut">
               <a:rPr lang="en-US" smtClean="0"/>
-              <a:t>04-May-17</a:t>
+              <a:t>05-May-17</a:t>
             </a:fld>
             <a:endParaRPr lang="en-US"/>
           </a:p>
@@ -2797,7 +2797,7 @@
           <a:p>
             <a:fld id="{B7155ECD-3F43-4FB0-B904-4DC0AC5C79AF}" type="datetimeFigureOut">
               <a:rPr lang="en-US" smtClean="0"/>
-              <a:t>04-May-17</a:t>
+              <a:t>05-May-17</a:t>
             </a:fld>
             <a:endParaRPr lang="en-US"/>
           </a:p>
@@ -3010,7 +3010,7 @@
           <a:p>
             <a:fld id="{B7155ECD-3F43-4FB0-B904-4DC0AC5C79AF}" type="datetimeFigureOut">
               <a:rPr lang="en-US" smtClean="0"/>
-              <a:t>04-May-17</a:t>
+              <a:t>05-May-17</a:t>
             </a:fld>
             <a:endParaRPr lang="en-US"/>
           </a:p>
@@ -3415,94 +3415,6 @@
           <a:chExt cx="0" cy="0"/>
         </a:xfrm>
       </p:grpSpPr>
-      <p:sp>
-        <p:nvSpPr>
-          <p:cNvPr id="47" name="TextBox 46"/>
-          <p:cNvSpPr txBox="1"/>
-          <p:nvPr/>
-        </p:nvSpPr>
-        <p:spPr>
-          <a:xfrm>
-            <a:off x="1174605" y="441821"/>
-            <a:ext cx="556895" cy="276999"/>
-          </a:xfrm>
-          <a:prstGeom prst="rect">
-            <a:avLst/>
-          </a:prstGeom>
-          <a:noFill/>
-        </p:spPr>
-        <p:txBody>
-          <a:bodyPr wrap="square" rtlCol="0">
-            <a:spAutoFit/>
-          </a:bodyPr>
-          <a:lstStyle/>
-          <a:p>
-            <a:r>
-              <a:rPr lang="en-US" sz="1200" dirty="0"/>
-              <a:t>Ideal</a:t>
-            </a:r>
-          </a:p>
-        </p:txBody>
-      </p:sp>
-      <p:sp>
-        <p:nvSpPr>
-          <p:cNvPr id="108" name="TextBox 107"/>
-          <p:cNvSpPr txBox="1"/>
-          <p:nvPr/>
-        </p:nvSpPr>
-        <p:spPr>
-          <a:xfrm>
-            <a:off x="1886797" y="1262623"/>
-            <a:ext cx="674203" cy="276999"/>
-          </a:xfrm>
-          <a:prstGeom prst="rect">
-            <a:avLst/>
-          </a:prstGeom>
-          <a:noFill/>
-        </p:spPr>
-        <p:txBody>
-          <a:bodyPr wrap="square" rtlCol="0">
-            <a:spAutoFit/>
-          </a:bodyPr>
-          <a:lstStyle/>
-          <a:p>
-            <a:r>
-              <a:rPr lang="en-US" sz="1200" dirty="0" smtClean="0"/>
-              <a:t>Disturb.</a:t>
-            </a:r>
-            <a:endParaRPr lang="en-US" sz="1200" dirty="0"/>
-          </a:p>
-        </p:txBody>
-      </p:sp>
-      <p:sp>
-        <p:nvSpPr>
-          <p:cNvPr id="113" name="TextBox 112"/>
-          <p:cNvSpPr txBox="1"/>
-          <p:nvPr/>
-        </p:nvSpPr>
-        <p:spPr>
-          <a:xfrm>
-            <a:off x="744810" y="1262831"/>
-            <a:ext cx="803432" cy="276999"/>
-          </a:xfrm>
-          <a:prstGeom prst="rect">
-            <a:avLst/>
-          </a:prstGeom>
-          <a:noFill/>
-        </p:spPr>
-        <p:txBody>
-          <a:bodyPr wrap="square" rtlCol="0">
-            <a:spAutoFit/>
-          </a:bodyPr>
-          <a:lstStyle/>
-          <a:p>
-            <a:r>
-              <a:rPr lang="en-US" sz="1200" dirty="0"/>
-              <a:t>Stress</a:t>
-            </a:r>
-          </a:p>
-        </p:txBody>
-      </p:sp>
       <p:cxnSp>
         <p:nvCxnSpPr>
           <p:cNvPr id="132" name="Straight Arrow Connector 131"/>
@@ -3598,8 +3510,8 @@
           </a:p>
         </p:txBody>
       </p:sp>
-      <mc:AlternateContent xmlns:mc="http://schemas.openxmlformats.org/markup-compatibility/2006">
-        <mc:Choice xmlns:a14="http://schemas.microsoft.com/office/drawing/2010/main" Requires="a14">
+      <mc:AlternateContent xmlns:mc="http://schemas.openxmlformats.org/markup-compatibility/2006" xmlns:a14="http://schemas.microsoft.com/office/drawing/2010/main">
+        <mc:Choice Requires="a14">
           <p:sp>
             <p:nvSpPr>
               <p:cNvPr id="4" name="Rectangle 3"/>
@@ -3646,7 +3558,7 @@
             </p:txBody>
           </p:sp>
         </mc:Choice>
-        <mc:Fallback>
+        <mc:Fallback xmlns="">
           <p:sp>
             <p:nvSpPr>
               <p:cNvPr id="4" name="Rectangle 3"/>
@@ -3685,96 +3597,8 @@
           </p:sp>
         </mc:Fallback>
       </mc:AlternateContent>
-      <p:sp>
-        <p:nvSpPr>
-          <p:cNvPr id="17" name="TextBox 16"/>
-          <p:cNvSpPr txBox="1"/>
-          <p:nvPr/>
-        </p:nvSpPr>
-        <p:spPr>
-          <a:xfrm>
-            <a:off x="2421610" y="292432"/>
-            <a:ext cx="556895" cy="276999"/>
-          </a:xfrm>
-          <a:prstGeom prst="rect">
-            <a:avLst/>
-          </a:prstGeom>
-          <a:noFill/>
-        </p:spPr>
-        <p:txBody>
-          <a:bodyPr wrap="square" rtlCol="0">
-            <a:spAutoFit/>
-          </a:bodyPr>
-          <a:lstStyle/>
-          <a:p>
-            <a:r>
-              <a:rPr lang="en-US" sz="1200" dirty="0"/>
-              <a:t>Ideal</a:t>
-            </a:r>
-          </a:p>
-        </p:txBody>
-      </p:sp>
-      <p:sp>
-        <p:nvSpPr>
-          <p:cNvPr id="18" name="TextBox 17"/>
-          <p:cNvSpPr txBox="1"/>
-          <p:nvPr/>
-        </p:nvSpPr>
-        <p:spPr>
-          <a:xfrm>
-            <a:off x="2445567" y="1398057"/>
-            <a:ext cx="976790" cy="276999"/>
-          </a:xfrm>
-          <a:prstGeom prst="rect">
-            <a:avLst/>
-          </a:prstGeom>
-          <a:noFill/>
-        </p:spPr>
-        <p:txBody>
-          <a:bodyPr wrap="square" rtlCol="0">
-            <a:spAutoFit/>
-          </a:bodyPr>
-          <a:lstStyle/>
-          <a:p>
-            <a:r>
-              <a:rPr lang="en-US" sz="1200" dirty="0" smtClean="0"/>
-              <a:t>Disturb.</a:t>
-            </a:r>
-            <a:endParaRPr lang="en-US" sz="1200" dirty="0"/>
-          </a:p>
-        </p:txBody>
-      </p:sp>
-      <p:sp>
-        <p:nvSpPr>
-          <p:cNvPr id="19" name="TextBox 18"/>
-          <p:cNvSpPr txBox="1"/>
-          <p:nvPr/>
-        </p:nvSpPr>
-        <p:spPr>
-          <a:xfrm>
-            <a:off x="3172775" y="285674"/>
-            <a:ext cx="803432" cy="276999"/>
-          </a:xfrm>
-          <a:prstGeom prst="rect">
-            <a:avLst/>
-          </a:prstGeom>
-          <a:noFill/>
-        </p:spPr>
-        <p:txBody>
-          <a:bodyPr wrap="square" rtlCol="0">
-            <a:spAutoFit/>
-          </a:bodyPr>
-          <a:lstStyle/>
-          <a:p>
-            <a:r>
-              <a:rPr lang="en-US" sz="1200" dirty="0"/>
-              <a:t>Stress</a:t>
-            </a:r>
-          </a:p>
-        </p:txBody>
-      </p:sp>
-      <mc:AlternateContent xmlns:mc="http://schemas.openxmlformats.org/markup-compatibility/2006">
-        <mc:Choice xmlns:a14="http://schemas.microsoft.com/office/drawing/2010/main" Requires="a14">
+      <mc:AlternateContent xmlns:mc="http://schemas.openxmlformats.org/markup-compatibility/2006" xmlns:a14="http://schemas.microsoft.com/office/drawing/2010/main">
+        <mc:Choice Requires="a14">
           <p:sp>
             <p:nvSpPr>
               <p:cNvPr id="6" name="TextBox 5"/>
@@ -3797,6 +3621,7 @@
               </a:bodyPr>
               <a:lstStyle/>
               <a:p>
+                <a:pPr/>
                 <a14:m>
                   <m:oMathPara xmlns:m="http://schemas.openxmlformats.org/officeDocument/2006/math">
                     <m:oMathParaPr>
@@ -3847,7 +3672,7 @@
             </p:txBody>
           </p:sp>
         </mc:Choice>
-        <mc:Fallback>
+        <mc:Fallback xmlns="">
           <p:sp>
             <p:nvSpPr>
               <p:cNvPr id="6" name="TextBox 5"/>
@@ -3946,100 +3771,8 @@
           </a:p>
         </p:txBody>
       </p:sp>
-      <p:sp>
-        <p:nvSpPr>
-          <p:cNvPr id="2" name="Right Triangle 1"/>
-          <p:cNvSpPr/>
-          <p:nvPr/>
-        </p:nvSpPr>
-        <p:spPr>
-          <a:xfrm rot="8100000">
-            <a:off x="1135474" y="808141"/>
-            <a:ext cx="1005840" cy="1005840"/>
-          </a:xfrm>
-          <a:prstGeom prst="rtTriangle">
-            <a:avLst/>
-          </a:prstGeom>
-          <a:noFill/>
-          <a:ln w="25400">
-            <a:solidFill>
-              <a:schemeClr val="tx1"/>
-            </a:solidFill>
-          </a:ln>
-        </p:spPr>
-        <p:style>
-          <a:lnRef idx="2">
-            <a:schemeClr val="accent1">
-              <a:shade val="50000"/>
-            </a:schemeClr>
-          </a:lnRef>
-          <a:fillRef idx="1">
-            <a:schemeClr val="accent1"/>
-          </a:fillRef>
-          <a:effectRef idx="0">
-            <a:schemeClr val="accent1"/>
-          </a:effectRef>
-          <a:fontRef idx="minor">
-            <a:schemeClr val="lt1"/>
-          </a:fontRef>
-        </p:style>
-        <p:txBody>
-          <a:bodyPr rtlCol="0" anchor="ctr"/>
-          <a:lstStyle/>
-          <a:p>
-            <a:pPr algn="ctr"/>
-            <a:endParaRPr lang="en-US"/>
-          </a:p>
-        </p:txBody>
-      </p:sp>
-      <p:sp>
-        <p:nvSpPr>
-          <p:cNvPr id="30" name="Right Triangle 29"/>
-          <p:cNvSpPr/>
-          <p:nvPr/>
-        </p:nvSpPr>
-        <p:spPr>
-          <a:xfrm rot="5400000">
-            <a:off x="2627620" y="540244"/>
-            <a:ext cx="914400" cy="914400"/>
-          </a:xfrm>
-          <a:prstGeom prst="rtTriangle">
-            <a:avLst/>
-          </a:prstGeom>
-          <a:noFill/>
-          <a:ln w="25400">
-            <a:solidFill>
-              <a:schemeClr val="tx1"/>
-            </a:solidFill>
-          </a:ln>
-        </p:spPr>
-        <p:style>
-          <a:lnRef idx="2">
-            <a:schemeClr val="accent1">
-              <a:shade val="50000"/>
-            </a:schemeClr>
-          </a:lnRef>
-          <a:fillRef idx="1">
-            <a:schemeClr val="accent1"/>
-          </a:fillRef>
-          <a:effectRef idx="0">
-            <a:schemeClr val="accent1"/>
-          </a:effectRef>
-          <a:fontRef idx="minor">
-            <a:schemeClr val="lt1"/>
-          </a:fontRef>
-        </p:style>
-        <p:txBody>
-          <a:bodyPr rtlCol="0" anchor="ctr"/>
-          <a:lstStyle/>
-          <a:p>
-            <a:pPr algn="ctr"/>
-            <a:endParaRPr lang="en-US"/>
-          </a:p>
-        </p:txBody>
-      </p:sp>
-      <mc:AlternateContent xmlns:mc="http://schemas.openxmlformats.org/markup-compatibility/2006">
-        <mc:Choice xmlns:a14="http://schemas.microsoft.com/office/drawing/2010/main" Requires="a14">
+      <mc:AlternateContent xmlns:mc="http://schemas.openxmlformats.org/markup-compatibility/2006" xmlns:a14="http://schemas.microsoft.com/office/drawing/2010/main">
+        <mc:Choice Requires="a14">
           <p:sp>
             <p:nvSpPr>
               <p:cNvPr id="23" name="TextBox 22"/>
@@ -4062,6 +3795,7 @@
               </a:bodyPr>
               <a:lstStyle/>
               <a:p>
+                <a:pPr/>
                 <a14:m>
                   <m:oMathPara xmlns:m="http://schemas.openxmlformats.org/officeDocument/2006/math">
                     <m:oMathParaPr>
@@ -4100,7 +3834,7 @@
             </p:txBody>
           </p:sp>
         </mc:Choice>
-        <mc:Fallback>
+        <mc:Fallback xmlns="">
           <p:sp>
             <p:nvSpPr>
               <p:cNvPr id="23" name="TextBox 22"/>
@@ -4139,6 +3873,486 @@
           </p:sp>
         </mc:Fallback>
       </mc:AlternateContent>
+      <p:sp>
+        <p:nvSpPr>
+          <p:cNvPr id="34" name="TextBox 33"/>
+          <p:cNvSpPr txBox="1"/>
+          <p:nvPr/>
+        </p:nvSpPr>
+        <p:spPr>
+          <a:xfrm>
+            <a:off x="2312275" y="263979"/>
+            <a:ext cx="556895" cy="246221"/>
+          </a:xfrm>
+          <a:prstGeom prst="rect">
+            <a:avLst/>
+          </a:prstGeom>
+          <a:noFill/>
+        </p:spPr>
+        <p:txBody>
+          <a:bodyPr wrap="square" rtlCol="0">
+            <a:spAutoFit/>
+          </a:bodyPr>
+          <a:lstStyle/>
+          <a:p>
+            <a:r>
+              <a:rPr lang="en-US" sz="1000" dirty="0"/>
+              <a:t>Ideal</a:t>
+            </a:r>
+          </a:p>
+        </p:txBody>
+      </p:sp>
+      <p:sp>
+        <p:nvSpPr>
+          <p:cNvPr id="35" name="TextBox 34"/>
+          <p:cNvSpPr txBox="1"/>
+          <p:nvPr/>
+        </p:nvSpPr>
+        <p:spPr>
+          <a:xfrm>
+            <a:off x="2411845" y="1384747"/>
+            <a:ext cx="976790" cy="246221"/>
+          </a:xfrm>
+          <a:prstGeom prst="rect">
+            <a:avLst/>
+          </a:prstGeom>
+          <a:noFill/>
+        </p:spPr>
+        <p:txBody>
+          <a:bodyPr wrap="square" rtlCol="0">
+            <a:spAutoFit/>
+          </a:bodyPr>
+          <a:lstStyle/>
+          <a:p>
+            <a:r>
+              <a:rPr lang="en-US" sz="1000" dirty="0"/>
+              <a:t>Disturbance</a:t>
+            </a:r>
+          </a:p>
+        </p:txBody>
+      </p:sp>
+      <p:sp>
+        <p:nvSpPr>
+          <p:cNvPr id="36" name="TextBox 35"/>
+          <p:cNvSpPr txBox="1"/>
+          <p:nvPr/>
+        </p:nvSpPr>
+        <p:spPr>
+          <a:xfrm>
+            <a:off x="3079308" y="276659"/>
+            <a:ext cx="558875" cy="246221"/>
+          </a:xfrm>
+          <a:prstGeom prst="rect">
+            <a:avLst/>
+          </a:prstGeom>
+          <a:noFill/>
+        </p:spPr>
+        <p:txBody>
+          <a:bodyPr wrap="square" rtlCol="0">
+            <a:spAutoFit/>
+          </a:bodyPr>
+          <a:lstStyle/>
+          <a:p>
+            <a:r>
+              <a:rPr lang="en-US" sz="1000" dirty="0"/>
+              <a:t>Stress</a:t>
+            </a:r>
+          </a:p>
+        </p:txBody>
+      </p:sp>
+      <p:grpSp>
+        <p:nvGrpSpPr>
+          <p:cNvPr id="5" name="Group 4"/>
+          <p:cNvGrpSpPr/>
+          <p:nvPr/>
+        </p:nvGrpSpPr>
+        <p:grpSpPr>
+          <a:xfrm>
+            <a:off x="2548442" y="457200"/>
+            <a:ext cx="1007839" cy="1005840"/>
+            <a:chOff x="1111235" y="349309"/>
+            <a:chExt cx="1007839" cy="1005840"/>
+          </a:xfrm>
+        </p:grpSpPr>
+        <p:cxnSp>
+          <p:nvCxnSpPr>
+            <p:cNvPr id="40" name="Straight Arrow Connector 39"/>
+            <p:cNvCxnSpPr/>
+            <p:nvPr/>
+          </p:nvCxnSpPr>
+          <p:spPr>
+            <a:xfrm flipV="1">
+              <a:off x="1113234" y="362012"/>
+              <a:ext cx="1005840" cy="0"/>
+            </a:xfrm>
+            <a:prstGeom prst="straightConnector1">
+              <a:avLst/>
+            </a:prstGeom>
+            <a:ln w="25400">
+              <a:solidFill>
+                <a:schemeClr val="tx1"/>
+              </a:solidFill>
+              <a:tailEnd type="triangle"/>
+            </a:ln>
+          </p:spPr>
+          <p:style>
+            <a:lnRef idx="1">
+              <a:schemeClr val="accent1"/>
+            </a:lnRef>
+            <a:fillRef idx="0">
+              <a:schemeClr val="accent1"/>
+            </a:fillRef>
+            <a:effectRef idx="0">
+              <a:schemeClr val="accent1"/>
+            </a:effectRef>
+            <a:fontRef idx="minor">
+              <a:schemeClr val="tx1"/>
+            </a:fontRef>
+          </p:style>
+        </p:cxnSp>
+        <p:cxnSp>
+          <p:nvCxnSpPr>
+            <p:cNvPr id="41" name="Straight Arrow Connector 40"/>
+            <p:cNvCxnSpPr/>
+            <p:nvPr/>
+          </p:nvCxnSpPr>
+          <p:spPr>
+            <a:xfrm flipH="1">
+              <a:off x="1112234" y="349309"/>
+              <a:ext cx="0" cy="1005840"/>
+            </a:xfrm>
+            <a:prstGeom prst="straightConnector1">
+              <a:avLst/>
+            </a:prstGeom>
+            <a:ln w="25400">
+              <a:solidFill>
+                <a:schemeClr val="tx1"/>
+              </a:solidFill>
+              <a:tailEnd type="triangle"/>
+            </a:ln>
+          </p:spPr>
+          <p:style>
+            <a:lnRef idx="1">
+              <a:schemeClr val="accent1"/>
+            </a:lnRef>
+            <a:fillRef idx="0">
+              <a:schemeClr val="accent1"/>
+            </a:fillRef>
+            <a:effectRef idx="0">
+              <a:schemeClr val="accent1"/>
+            </a:effectRef>
+            <a:fontRef idx="minor">
+              <a:schemeClr val="tx1"/>
+            </a:fontRef>
+          </p:style>
+        </p:cxnSp>
+        <p:cxnSp>
+          <p:nvCxnSpPr>
+            <p:cNvPr id="42" name="Straight Connector 41"/>
+            <p:cNvCxnSpPr/>
+            <p:nvPr/>
+          </p:nvCxnSpPr>
+          <p:spPr>
+            <a:xfrm flipV="1">
+              <a:off x="1111235" y="362012"/>
+              <a:ext cx="886628" cy="903502"/>
+            </a:xfrm>
+            <a:prstGeom prst="line">
+              <a:avLst/>
+            </a:prstGeom>
+            <a:ln w="25400">
+              <a:solidFill>
+                <a:schemeClr val="tx1"/>
+              </a:solidFill>
+              <a:prstDash val="dash"/>
+            </a:ln>
+          </p:spPr>
+          <p:style>
+            <a:lnRef idx="1">
+              <a:schemeClr val="accent1"/>
+            </a:lnRef>
+            <a:fillRef idx="0">
+              <a:schemeClr val="accent1"/>
+            </a:fillRef>
+            <a:effectRef idx="0">
+              <a:schemeClr val="accent1"/>
+            </a:effectRef>
+            <a:fontRef idx="minor">
+              <a:schemeClr val="tx1"/>
+            </a:fontRef>
+          </p:style>
+        </p:cxnSp>
+      </p:grpSp>
+      <p:sp>
+        <p:nvSpPr>
+          <p:cNvPr id="44" name="TextBox 43"/>
+          <p:cNvSpPr txBox="1"/>
+          <p:nvPr/>
+        </p:nvSpPr>
+        <p:spPr>
+          <a:xfrm rot="18858909">
+            <a:off x="2513794" y="756978"/>
+            <a:ext cx="1254089" cy="246221"/>
+          </a:xfrm>
+          <a:prstGeom prst="rect">
+            <a:avLst/>
+          </a:prstGeom>
+          <a:noFill/>
+        </p:spPr>
+        <p:txBody>
+          <a:bodyPr wrap="square" rtlCol="0">
+            <a:spAutoFit/>
+          </a:bodyPr>
+          <a:lstStyle/>
+          <a:p>
+            <a:r>
+              <a:rPr lang="en-US" sz="1000" dirty="0" smtClean="0"/>
+              <a:t>Limits of survival</a:t>
+            </a:r>
+            <a:endParaRPr lang="en-US" sz="1000" dirty="0"/>
+          </a:p>
+        </p:txBody>
+      </p:sp>
+      <p:sp>
+        <p:nvSpPr>
+          <p:cNvPr id="45" name="TextBox 44"/>
+          <p:cNvSpPr txBox="1"/>
+          <p:nvPr/>
+        </p:nvSpPr>
+        <p:spPr>
+          <a:xfrm>
+            <a:off x="1413545" y="354845"/>
+            <a:ext cx="556895" cy="246221"/>
+          </a:xfrm>
+          <a:prstGeom prst="rect">
+            <a:avLst/>
+          </a:prstGeom>
+          <a:noFill/>
+        </p:spPr>
+        <p:txBody>
+          <a:bodyPr wrap="square" rtlCol="0">
+            <a:spAutoFit/>
+          </a:bodyPr>
+          <a:lstStyle/>
+          <a:p>
+            <a:r>
+              <a:rPr lang="en-US" sz="1000" dirty="0"/>
+              <a:t>Ideal</a:t>
+            </a:r>
+          </a:p>
+        </p:txBody>
+      </p:sp>
+      <p:sp>
+        <p:nvSpPr>
+          <p:cNvPr id="46" name="TextBox 45"/>
+          <p:cNvSpPr txBox="1"/>
+          <p:nvPr/>
+        </p:nvSpPr>
+        <p:spPr>
+          <a:xfrm>
+            <a:off x="736792" y="1197635"/>
+            <a:ext cx="976790" cy="246221"/>
+          </a:xfrm>
+          <a:prstGeom prst="rect">
+            <a:avLst/>
+          </a:prstGeom>
+          <a:noFill/>
+        </p:spPr>
+        <p:txBody>
+          <a:bodyPr wrap="square" rtlCol="0">
+            <a:spAutoFit/>
+          </a:bodyPr>
+          <a:lstStyle/>
+          <a:p>
+            <a:r>
+              <a:rPr lang="en-US" sz="1000" dirty="0"/>
+              <a:t>Disturbance</a:t>
+            </a:r>
+          </a:p>
+        </p:txBody>
+      </p:sp>
+      <p:sp>
+        <p:nvSpPr>
+          <p:cNvPr id="48" name="TextBox 47"/>
+          <p:cNvSpPr txBox="1"/>
+          <p:nvPr/>
+        </p:nvSpPr>
+        <p:spPr>
+          <a:xfrm>
+            <a:off x="1949749" y="1189463"/>
+            <a:ext cx="558875" cy="246221"/>
+          </a:xfrm>
+          <a:prstGeom prst="rect">
+            <a:avLst/>
+          </a:prstGeom>
+          <a:noFill/>
+        </p:spPr>
+        <p:txBody>
+          <a:bodyPr wrap="square" rtlCol="0">
+            <a:spAutoFit/>
+          </a:bodyPr>
+          <a:lstStyle/>
+          <a:p>
+            <a:r>
+              <a:rPr lang="en-US" sz="1000" dirty="0"/>
+              <a:t>Stress</a:t>
+            </a:r>
+          </a:p>
+        </p:txBody>
+      </p:sp>
+      <p:grpSp>
+        <p:nvGrpSpPr>
+          <p:cNvPr id="49" name="Group 48"/>
+          <p:cNvGrpSpPr/>
+          <p:nvPr/>
+        </p:nvGrpSpPr>
+        <p:grpSpPr>
+          <a:xfrm rot="2731516">
+            <a:off x="1142689" y="757212"/>
+            <a:ext cx="1007839" cy="1005840"/>
+            <a:chOff x="1111235" y="349309"/>
+            <a:chExt cx="1007839" cy="1005840"/>
+          </a:xfrm>
+        </p:grpSpPr>
+        <p:cxnSp>
+          <p:nvCxnSpPr>
+            <p:cNvPr id="50" name="Straight Arrow Connector 49"/>
+            <p:cNvCxnSpPr/>
+            <p:nvPr/>
+          </p:nvCxnSpPr>
+          <p:spPr>
+            <a:xfrm flipV="1">
+              <a:off x="1113234" y="362012"/>
+              <a:ext cx="1005840" cy="0"/>
+            </a:xfrm>
+            <a:prstGeom prst="straightConnector1">
+              <a:avLst/>
+            </a:prstGeom>
+            <a:ln w="25400">
+              <a:solidFill>
+                <a:schemeClr val="tx1"/>
+              </a:solidFill>
+              <a:tailEnd type="triangle"/>
+            </a:ln>
+          </p:spPr>
+          <p:style>
+            <a:lnRef idx="1">
+              <a:schemeClr val="accent1"/>
+            </a:lnRef>
+            <a:fillRef idx="0">
+              <a:schemeClr val="accent1"/>
+            </a:fillRef>
+            <a:effectRef idx="0">
+              <a:schemeClr val="accent1"/>
+            </a:effectRef>
+            <a:fontRef idx="minor">
+              <a:schemeClr val="tx1"/>
+            </a:fontRef>
+          </p:style>
+        </p:cxnSp>
+        <p:cxnSp>
+          <p:nvCxnSpPr>
+            <p:cNvPr id="51" name="Straight Arrow Connector 50"/>
+            <p:cNvCxnSpPr/>
+            <p:nvPr/>
+          </p:nvCxnSpPr>
+          <p:spPr>
+            <a:xfrm flipH="1">
+              <a:off x="1112234" y="349309"/>
+              <a:ext cx="0" cy="1005840"/>
+            </a:xfrm>
+            <a:prstGeom prst="straightConnector1">
+              <a:avLst/>
+            </a:prstGeom>
+            <a:ln w="25400">
+              <a:solidFill>
+                <a:schemeClr val="tx1"/>
+              </a:solidFill>
+              <a:tailEnd type="triangle"/>
+            </a:ln>
+          </p:spPr>
+          <p:style>
+            <a:lnRef idx="1">
+              <a:schemeClr val="accent1"/>
+            </a:lnRef>
+            <a:fillRef idx="0">
+              <a:schemeClr val="accent1"/>
+            </a:fillRef>
+            <a:effectRef idx="0">
+              <a:schemeClr val="accent1"/>
+            </a:effectRef>
+            <a:fontRef idx="minor">
+              <a:schemeClr val="tx1"/>
+            </a:fontRef>
+          </p:style>
+        </p:cxnSp>
+        <p:cxnSp>
+          <p:nvCxnSpPr>
+            <p:cNvPr id="52" name="Straight Connector 51"/>
+            <p:cNvCxnSpPr/>
+            <p:nvPr/>
+          </p:nvCxnSpPr>
+          <p:spPr>
+            <a:xfrm flipV="1">
+              <a:off x="1111235" y="362012"/>
+              <a:ext cx="886628" cy="903502"/>
+            </a:xfrm>
+            <a:prstGeom prst="line">
+              <a:avLst/>
+            </a:prstGeom>
+            <a:ln w="25400">
+              <a:solidFill>
+                <a:schemeClr val="tx1"/>
+              </a:solidFill>
+              <a:prstDash val="dash"/>
+            </a:ln>
+          </p:spPr>
+          <p:style>
+            <a:lnRef idx="1">
+              <a:schemeClr val="accent1"/>
+            </a:lnRef>
+            <a:fillRef idx="0">
+              <a:schemeClr val="accent1"/>
+            </a:fillRef>
+            <a:effectRef idx="0">
+              <a:schemeClr val="accent1"/>
+            </a:effectRef>
+            <a:fontRef idx="minor">
+              <a:schemeClr val="tx1"/>
+            </a:fontRef>
+          </p:style>
+        </p:cxnSp>
+      </p:grpSp>
+      <p:sp>
+        <p:nvSpPr>
+          <p:cNvPr id="61" name="TextBox 60"/>
+          <p:cNvSpPr txBox="1"/>
+          <p:nvPr/>
+        </p:nvSpPr>
+        <p:spPr>
+          <a:xfrm>
+            <a:off x="1121124" y="987530"/>
+            <a:ext cx="1254089" cy="246221"/>
+          </a:xfrm>
+          <a:prstGeom prst="rect">
+            <a:avLst/>
+          </a:prstGeom>
+          <a:noFill/>
+        </p:spPr>
+        <p:txBody>
+          <a:bodyPr wrap="square" rtlCol="0">
+            <a:spAutoFit/>
+          </a:bodyPr>
+          <a:lstStyle/>
+          <a:p>
+            <a:r>
+              <a:rPr lang="en-US" sz="1000" dirty="0" smtClean="0"/>
+              <a:t>Limits of survival</a:t>
+            </a:r>
+            <a:endParaRPr lang="en-US" sz="1000" dirty="0"/>
+          </a:p>
+        </p:txBody>
+      </p:sp>
     </p:spTree>
     <p:extLst>
       <p:ext uri="{BB962C8B-B14F-4D97-AF65-F5344CB8AC3E}">

--- a/axes.pptx
+++ b/axes.pptx
@@ -197,7 +197,7 @@
           <a:p>
             <a:fld id="{091E5CB7-630E-4D80-B4AF-B4D36936C591}" type="datetimeFigureOut">
               <a:rPr lang="en-US" smtClean="0"/>
-              <a:t>05-May-17</a:t>
+              <a:t>06-May-17</a:t>
             </a:fld>
             <a:endParaRPr lang="en-US"/>
           </a:p>
@@ -685,7 +685,7 @@
           <a:p>
             <a:fld id="{B7155ECD-3F43-4FB0-B904-4DC0AC5C79AF}" type="datetimeFigureOut">
               <a:rPr lang="en-US" smtClean="0"/>
-              <a:t>05-May-17</a:t>
+              <a:t>06-May-17</a:t>
             </a:fld>
             <a:endParaRPr lang="en-US"/>
           </a:p>
@@ -855,7 +855,7 @@
           <a:p>
             <a:fld id="{B7155ECD-3F43-4FB0-B904-4DC0AC5C79AF}" type="datetimeFigureOut">
               <a:rPr lang="en-US" smtClean="0"/>
-              <a:t>05-May-17</a:t>
+              <a:t>06-May-17</a:t>
             </a:fld>
             <a:endParaRPr lang="en-US"/>
           </a:p>
@@ -1035,7 +1035,7 @@
           <a:p>
             <a:fld id="{B7155ECD-3F43-4FB0-B904-4DC0AC5C79AF}" type="datetimeFigureOut">
               <a:rPr lang="en-US" smtClean="0"/>
-              <a:t>05-May-17</a:t>
+              <a:t>06-May-17</a:t>
             </a:fld>
             <a:endParaRPr lang="en-US"/>
           </a:p>
@@ -1205,7 +1205,7 @@
           <a:p>
             <a:fld id="{B7155ECD-3F43-4FB0-B904-4DC0AC5C79AF}" type="datetimeFigureOut">
               <a:rPr lang="en-US" smtClean="0"/>
-              <a:t>05-May-17</a:t>
+              <a:t>06-May-17</a:t>
             </a:fld>
             <a:endParaRPr lang="en-US"/>
           </a:p>
@@ -1451,7 +1451,7 @@
           <a:p>
             <a:fld id="{B7155ECD-3F43-4FB0-B904-4DC0AC5C79AF}" type="datetimeFigureOut">
               <a:rPr lang="en-US" smtClean="0"/>
-              <a:t>05-May-17</a:t>
+              <a:t>06-May-17</a:t>
             </a:fld>
             <a:endParaRPr lang="en-US"/>
           </a:p>
@@ -1683,7 +1683,7 @@
           <a:p>
             <a:fld id="{B7155ECD-3F43-4FB0-B904-4DC0AC5C79AF}" type="datetimeFigureOut">
               <a:rPr lang="en-US" smtClean="0"/>
-              <a:t>05-May-17</a:t>
+              <a:t>06-May-17</a:t>
             </a:fld>
             <a:endParaRPr lang="en-US"/>
           </a:p>
@@ -2050,7 +2050,7 @@
           <a:p>
             <a:fld id="{B7155ECD-3F43-4FB0-B904-4DC0AC5C79AF}" type="datetimeFigureOut">
               <a:rPr lang="en-US" smtClean="0"/>
-              <a:t>05-May-17</a:t>
+              <a:t>06-May-17</a:t>
             </a:fld>
             <a:endParaRPr lang="en-US"/>
           </a:p>
@@ -2168,7 +2168,7 @@
           <a:p>
             <a:fld id="{B7155ECD-3F43-4FB0-B904-4DC0AC5C79AF}" type="datetimeFigureOut">
               <a:rPr lang="en-US" smtClean="0"/>
-              <a:t>05-May-17</a:t>
+              <a:t>06-May-17</a:t>
             </a:fld>
             <a:endParaRPr lang="en-US"/>
           </a:p>
@@ -2263,7 +2263,7 @@
           <a:p>
             <a:fld id="{B7155ECD-3F43-4FB0-B904-4DC0AC5C79AF}" type="datetimeFigureOut">
               <a:rPr lang="en-US" smtClean="0"/>
-              <a:t>05-May-17</a:t>
+              <a:t>06-May-17</a:t>
             </a:fld>
             <a:endParaRPr lang="en-US"/>
           </a:p>
@@ -2540,7 +2540,7 @@
           <a:p>
             <a:fld id="{B7155ECD-3F43-4FB0-B904-4DC0AC5C79AF}" type="datetimeFigureOut">
               <a:rPr lang="en-US" smtClean="0"/>
-              <a:t>05-May-17</a:t>
+              <a:t>06-May-17</a:t>
             </a:fld>
             <a:endParaRPr lang="en-US"/>
           </a:p>
@@ -2797,7 +2797,7 @@
           <a:p>
             <a:fld id="{B7155ECD-3F43-4FB0-B904-4DC0AC5C79AF}" type="datetimeFigureOut">
               <a:rPr lang="en-US" smtClean="0"/>
-              <a:t>05-May-17</a:t>
+              <a:t>06-May-17</a:t>
             </a:fld>
             <a:endParaRPr lang="en-US"/>
           </a:p>
@@ -3010,7 +3010,7 @@
           <a:p>
             <a:fld id="{B7155ECD-3F43-4FB0-B904-4DC0AC5C79AF}" type="datetimeFigureOut">
               <a:rPr lang="en-US" smtClean="0"/>
-              <a:t>05-May-17</a:t>
+              <a:t>06-May-17</a:t>
             </a:fld>
             <a:endParaRPr lang="en-US"/>
           </a:p>
@@ -3875,42 +3875,13 @@
       </mc:AlternateContent>
       <p:sp>
         <p:nvSpPr>
-          <p:cNvPr id="34" name="TextBox 33"/>
-          <p:cNvSpPr txBox="1"/>
-          <p:nvPr/>
-        </p:nvSpPr>
-        <p:spPr>
-          <a:xfrm>
-            <a:off x="2312275" y="263979"/>
-            <a:ext cx="556895" cy="246221"/>
-          </a:xfrm>
-          <a:prstGeom prst="rect">
-            <a:avLst/>
-          </a:prstGeom>
-          <a:noFill/>
-        </p:spPr>
-        <p:txBody>
-          <a:bodyPr wrap="square" rtlCol="0">
-            <a:spAutoFit/>
-          </a:bodyPr>
-          <a:lstStyle/>
-          <a:p>
-            <a:r>
-              <a:rPr lang="en-US" sz="1000" dirty="0"/>
-              <a:t>Ideal</a:t>
-            </a:r>
-          </a:p>
-        </p:txBody>
-      </p:sp>
-      <p:sp>
-        <p:nvSpPr>
           <p:cNvPr id="35" name="TextBox 34"/>
           <p:cNvSpPr txBox="1"/>
           <p:nvPr/>
         </p:nvSpPr>
         <p:spPr>
-          <a:xfrm>
-            <a:off x="2411845" y="1384747"/>
+          <a:xfrm rot="16200000">
+            <a:off x="1973921" y="758340"/>
             <a:ext cx="976790" cy="246221"/>
           </a:xfrm>
           <a:prstGeom prst="rect">
@@ -3939,7 +3910,7 @@
         </p:nvSpPr>
         <p:spPr>
           <a:xfrm>
-            <a:off x="3079308" y="276659"/>
+            <a:off x="2742228" y="276659"/>
             <a:ext cx="558875" cy="246221"/>
           </a:xfrm>
           <a:prstGeom prst="rect">
@@ -4115,42 +4086,13 @@
       </p:sp>
       <p:sp>
         <p:nvSpPr>
-          <p:cNvPr id="45" name="TextBox 44"/>
-          <p:cNvSpPr txBox="1"/>
-          <p:nvPr/>
-        </p:nvSpPr>
-        <p:spPr>
-          <a:xfrm>
-            <a:off x="1413545" y="354845"/>
-            <a:ext cx="556895" cy="246221"/>
-          </a:xfrm>
-          <a:prstGeom prst="rect">
-            <a:avLst/>
-          </a:prstGeom>
-          <a:noFill/>
-        </p:spPr>
-        <p:txBody>
-          <a:bodyPr wrap="square" rtlCol="0">
-            <a:spAutoFit/>
-          </a:bodyPr>
-          <a:lstStyle/>
-          <a:p>
-            <a:r>
-              <a:rPr lang="en-US" sz="1000" dirty="0"/>
-              <a:t>Ideal</a:t>
-            </a:r>
-          </a:p>
-        </p:txBody>
-      </p:sp>
-      <p:sp>
-        <p:nvSpPr>
           <p:cNvPr id="46" name="TextBox 45"/>
           <p:cNvSpPr txBox="1"/>
           <p:nvPr/>
         </p:nvSpPr>
         <p:spPr>
-          <a:xfrm>
-            <a:off x="736792" y="1197635"/>
+          <a:xfrm rot="18963730">
+            <a:off x="821127" y="662486"/>
             <a:ext cx="976790" cy="246221"/>
           </a:xfrm>
           <a:prstGeom prst="rect">
@@ -4178,8 +4120,8 @@
           <p:nvPr/>
         </p:nvSpPr>
         <p:spPr>
-          <a:xfrm>
-            <a:off x="1949749" y="1189463"/>
+          <a:xfrm rot="2682036">
+            <a:off x="1780673" y="749774"/>
             <a:ext cx="558875" cy="246221"/>
           </a:xfrm>
           <a:prstGeom prst="rect">
@@ -4331,7 +4273,7 @@
         </p:nvSpPr>
         <p:spPr>
           <a:xfrm>
-            <a:off x="1121124" y="987530"/>
+            <a:off x="1129141" y="1144304"/>
             <a:ext cx="1254089" cy="246221"/>
           </a:xfrm>
           <a:prstGeom prst="rect">
@@ -4348,6 +4290,186 @@
             <a:r>
               <a:rPr lang="en-US" sz="1000" dirty="0" smtClean="0"/>
               <a:t>Limits of survival</a:t>
+            </a:r>
+            <a:endParaRPr lang="en-US" sz="1000" dirty="0"/>
+          </a:p>
+        </p:txBody>
+      </p:sp>
+      <p:sp>
+        <p:nvSpPr>
+          <p:cNvPr id="26" name="TextBox 25"/>
+          <p:cNvSpPr txBox="1"/>
+          <p:nvPr/>
+        </p:nvSpPr>
+        <p:spPr>
+          <a:xfrm>
+            <a:off x="1041747" y="997154"/>
+            <a:ext cx="173790" cy="246221"/>
+          </a:xfrm>
+          <a:prstGeom prst="rect">
+            <a:avLst/>
+          </a:prstGeom>
+          <a:noFill/>
+        </p:spPr>
+        <p:txBody>
+          <a:bodyPr wrap="square" rtlCol="0">
+            <a:spAutoFit/>
+          </a:bodyPr>
+          <a:lstStyle/>
+          <a:p>
+            <a:r>
+              <a:rPr lang="en-US" sz="1000" dirty="0"/>
+              <a:t>R</a:t>
+            </a:r>
+            <a:endParaRPr lang="en-US" sz="1000" dirty="0"/>
+          </a:p>
+        </p:txBody>
+      </p:sp>
+      <p:sp>
+        <p:nvSpPr>
+          <p:cNvPr id="27" name="TextBox 26"/>
+          <p:cNvSpPr txBox="1"/>
+          <p:nvPr/>
+        </p:nvSpPr>
+        <p:spPr>
+          <a:xfrm>
+            <a:off x="1518193" y="534991"/>
+            <a:ext cx="173790" cy="246221"/>
+          </a:xfrm>
+          <a:prstGeom prst="rect">
+            <a:avLst/>
+          </a:prstGeom>
+          <a:noFill/>
+        </p:spPr>
+        <p:txBody>
+          <a:bodyPr wrap="square" rtlCol="0">
+            <a:spAutoFit/>
+          </a:bodyPr>
+          <a:lstStyle/>
+          <a:p>
+            <a:r>
+              <a:rPr lang="en-US" sz="1000" dirty="0" smtClean="0"/>
+              <a:t>C</a:t>
+            </a:r>
+            <a:endParaRPr lang="en-US" sz="1000" dirty="0"/>
+          </a:p>
+        </p:txBody>
+      </p:sp>
+      <p:sp>
+        <p:nvSpPr>
+          <p:cNvPr id="30" name="TextBox 29"/>
+          <p:cNvSpPr txBox="1"/>
+          <p:nvPr/>
+        </p:nvSpPr>
+        <p:spPr>
+          <a:xfrm>
+            <a:off x="1973402" y="997154"/>
+            <a:ext cx="173790" cy="246221"/>
+          </a:xfrm>
+          <a:prstGeom prst="rect">
+            <a:avLst/>
+          </a:prstGeom>
+          <a:noFill/>
+        </p:spPr>
+        <p:txBody>
+          <a:bodyPr wrap="square" rtlCol="0">
+            <a:spAutoFit/>
+          </a:bodyPr>
+          <a:lstStyle/>
+          <a:p>
+            <a:r>
+              <a:rPr lang="en-US" sz="1000" dirty="0" smtClean="0"/>
+              <a:t>S</a:t>
+            </a:r>
+            <a:endParaRPr lang="en-US" sz="1000" dirty="0"/>
+          </a:p>
+        </p:txBody>
+      </p:sp>
+      <p:sp>
+        <p:nvSpPr>
+          <p:cNvPr id="31" name="TextBox 30"/>
+          <p:cNvSpPr txBox="1"/>
+          <p:nvPr/>
+        </p:nvSpPr>
+        <p:spPr>
+          <a:xfrm>
+            <a:off x="2486286" y="415488"/>
+            <a:ext cx="173790" cy="246221"/>
+          </a:xfrm>
+          <a:prstGeom prst="rect">
+            <a:avLst/>
+          </a:prstGeom>
+          <a:noFill/>
+        </p:spPr>
+        <p:txBody>
+          <a:bodyPr wrap="square" rtlCol="0">
+            <a:spAutoFit/>
+          </a:bodyPr>
+          <a:lstStyle/>
+          <a:p>
+            <a:r>
+              <a:rPr lang="en-US" sz="1000" dirty="0" smtClean="0"/>
+              <a:t>C</a:t>
+            </a:r>
+            <a:endParaRPr lang="en-US" sz="1000" dirty="0"/>
+          </a:p>
+        </p:txBody>
+      </p:sp>
+      <p:sp>
+        <p:nvSpPr>
+          <p:cNvPr id="32" name="TextBox 31"/>
+          <p:cNvSpPr txBox="1"/>
+          <p:nvPr/>
+        </p:nvSpPr>
+        <p:spPr>
+          <a:xfrm>
+            <a:off x="2487838" y="1087472"/>
+            <a:ext cx="173790" cy="246221"/>
+          </a:xfrm>
+          <a:prstGeom prst="rect">
+            <a:avLst/>
+          </a:prstGeom>
+          <a:noFill/>
+        </p:spPr>
+        <p:txBody>
+          <a:bodyPr wrap="square" rtlCol="0">
+            <a:spAutoFit/>
+          </a:bodyPr>
+          <a:lstStyle/>
+          <a:p>
+            <a:r>
+              <a:rPr lang="en-US" sz="1000" dirty="0" smtClean="0"/>
+              <a:t>R</a:t>
+            </a:r>
+            <a:endParaRPr lang="en-US" sz="1000" dirty="0"/>
+          </a:p>
+        </p:txBody>
+      </p:sp>
+      <p:sp>
+        <p:nvSpPr>
+          <p:cNvPr id="33" name="TextBox 32"/>
+          <p:cNvSpPr txBox="1"/>
+          <p:nvPr/>
+        </p:nvSpPr>
+        <p:spPr>
+          <a:xfrm>
+            <a:off x="3139503" y="418817"/>
+            <a:ext cx="173790" cy="246221"/>
+          </a:xfrm>
+          <a:prstGeom prst="rect">
+            <a:avLst/>
+          </a:prstGeom>
+          <a:noFill/>
+        </p:spPr>
+        <p:txBody>
+          <a:bodyPr wrap="square" rtlCol="0">
+            <a:spAutoFit/>
+          </a:bodyPr>
+          <a:lstStyle/>
+          <a:p>
+            <a:r>
+              <a:rPr lang="en-US" sz="1000" dirty="0" smtClean="0"/>
+              <a:t>S</a:t>
             </a:r>
             <a:endParaRPr lang="en-US" sz="1000" dirty="0"/>
           </a:p>
